--- a/plots/Fig4.pptx
+++ b/plots/Fig4.pptx
@@ -241,11 +241,11 @@
           <a:bodyPr/>
           <a:lstStyle/>
           <a:p>
-            <a:fld id="{9F950D6D-D638-944C-997A-9DAC4E6CC4FC}" type="datetimeFigureOut">
-              <a:rPr lang="en-FI" smtClean="0"/>
-              <a:t>10.3.2022</a:t>
+            <a:fld id="{A8964ADD-0953-8940-9E96-FB0BF4E5F7EB}" type="datetimeFigureOut">
+              <a:rPr lang="en-GB" smtClean="0"/>
+              <a:t>12/04/2022</a:t>
             </a:fld>
-            <a:endParaRPr lang="en-FI"/>
+            <a:endParaRPr lang="en-GB"/>
           </a:p>
         </p:txBody>
       </p:sp>
@@ -264,7 +264,7 @@
           <a:bodyPr/>
           <a:lstStyle/>
           <a:p>
-            <a:endParaRPr lang="en-FI"/>
+            <a:endParaRPr lang="en-GB"/>
           </a:p>
         </p:txBody>
       </p:sp>
@@ -283,18 +283,18 @@
           <a:bodyPr/>
           <a:lstStyle/>
           <a:p>
-            <a:fld id="{D0100814-528C-1E43-A96A-17574B552906}" type="slidenum">
-              <a:rPr lang="en-FI" smtClean="0"/>
+            <a:fld id="{176483DE-1650-D24E-B86E-522C5B187573}" type="slidenum">
+              <a:rPr lang="en-GB" smtClean="0"/>
               <a:t>‹#›</a:t>
             </a:fld>
-            <a:endParaRPr lang="en-FI"/>
+            <a:endParaRPr lang="en-GB"/>
           </a:p>
         </p:txBody>
       </p:sp>
     </p:spTree>
     <p:extLst>
       <p:ext uri="{BB962C8B-B14F-4D97-AF65-F5344CB8AC3E}">
-        <p14:creationId xmlns:p14="http://schemas.microsoft.com/office/powerpoint/2010/main" val="636538954"/>
+        <p14:creationId xmlns:p14="http://schemas.microsoft.com/office/powerpoint/2010/main" val="498734614"/>
       </p:ext>
     </p:extLst>
   </p:cSld>
@@ -411,11 +411,11 @@
           <a:bodyPr/>
           <a:lstStyle/>
           <a:p>
-            <a:fld id="{9F950D6D-D638-944C-997A-9DAC4E6CC4FC}" type="datetimeFigureOut">
-              <a:rPr lang="en-FI" smtClean="0"/>
-              <a:t>10.3.2022</a:t>
+            <a:fld id="{A8964ADD-0953-8940-9E96-FB0BF4E5F7EB}" type="datetimeFigureOut">
+              <a:rPr lang="en-GB" smtClean="0"/>
+              <a:t>12/04/2022</a:t>
             </a:fld>
-            <a:endParaRPr lang="en-FI"/>
+            <a:endParaRPr lang="en-GB"/>
           </a:p>
         </p:txBody>
       </p:sp>
@@ -434,7 +434,7 @@
           <a:bodyPr/>
           <a:lstStyle/>
           <a:p>
-            <a:endParaRPr lang="en-FI"/>
+            <a:endParaRPr lang="en-GB"/>
           </a:p>
         </p:txBody>
       </p:sp>
@@ -453,18 +453,18 @@
           <a:bodyPr/>
           <a:lstStyle/>
           <a:p>
-            <a:fld id="{D0100814-528C-1E43-A96A-17574B552906}" type="slidenum">
-              <a:rPr lang="en-FI" smtClean="0"/>
+            <a:fld id="{176483DE-1650-D24E-B86E-522C5B187573}" type="slidenum">
+              <a:rPr lang="en-GB" smtClean="0"/>
               <a:t>‹#›</a:t>
             </a:fld>
-            <a:endParaRPr lang="en-FI"/>
+            <a:endParaRPr lang="en-GB"/>
           </a:p>
         </p:txBody>
       </p:sp>
     </p:spTree>
     <p:extLst>
       <p:ext uri="{BB962C8B-B14F-4D97-AF65-F5344CB8AC3E}">
-        <p14:creationId xmlns:p14="http://schemas.microsoft.com/office/powerpoint/2010/main" val="2173804309"/>
+        <p14:creationId xmlns:p14="http://schemas.microsoft.com/office/powerpoint/2010/main" val="295953268"/>
       </p:ext>
     </p:extLst>
   </p:cSld>
@@ -591,11 +591,11 @@
           <a:bodyPr/>
           <a:lstStyle/>
           <a:p>
-            <a:fld id="{9F950D6D-D638-944C-997A-9DAC4E6CC4FC}" type="datetimeFigureOut">
-              <a:rPr lang="en-FI" smtClean="0"/>
-              <a:t>10.3.2022</a:t>
+            <a:fld id="{A8964ADD-0953-8940-9E96-FB0BF4E5F7EB}" type="datetimeFigureOut">
+              <a:rPr lang="en-GB" smtClean="0"/>
+              <a:t>12/04/2022</a:t>
             </a:fld>
-            <a:endParaRPr lang="en-FI"/>
+            <a:endParaRPr lang="en-GB"/>
           </a:p>
         </p:txBody>
       </p:sp>
@@ -614,7 +614,7 @@
           <a:bodyPr/>
           <a:lstStyle/>
           <a:p>
-            <a:endParaRPr lang="en-FI"/>
+            <a:endParaRPr lang="en-GB"/>
           </a:p>
         </p:txBody>
       </p:sp>
@@ -633,18 +633,18 @@
           <a:bodyPr/>
           <a:lstStyle/>
           <a:p>
-            <a:fld id="{D0100814-528C-1E43-A96A-17574B552906}" type="slidenum">
-              <a:rPr lang="en-FI" smtClean="0"/>
+            <a:fld id="{176483DE-1650-D24E-B86E-522C5B187573}" type="slidenum">
+              <a:rPr lang="en-GB" smtClean="0"/>
               <a:t>‹#›</a:t>
             </a:fld>
-            <a:endParaRPr lang="en-FI"/>
+            <a:endParaRPr lang="en-GB"/>
           </a:p>
         </p:txBody>
       </p:sp>
     </p:spTree>
     <p:extLst>
       <p:ext uri="{BB962C8B-B14F-4D97-AF65-F5344CB8AC3E}">
-        <p14:creationId xmlns:p14="http://schemas.microsoft.com/office/powerpoint/2010/main" val="862618714"/>
+        <p14:creationId xmlns:p14="http://schemas.microsoft.com/office/powerpoint/2010/main" val="2319408500"/>
       </p:ext>
     </p:extLst>
   </p:cSld>
@@ -761,11 +761,11 @@
           <a:bodyPr/>
           <a:lstStyle/>
           <a:p>
-            <a:fld id="{9F950D6D-D638-944C-997A-9DAC4E6CC4FC}" type="datetimeFigureOut">
-              <a:rPr lang="en-FI" smtClean="0"/>
-              <a:t>10.3.2022</a:t>
+            <a:fld id="{A8964ADD-0953-8940-9E96-FB0BF4E5F7EB}" type="datetimeFigureOut">
+              <a:rPr lang="en-GB" smtClean="0"/>
+              <a:t>12/04/2022</a:t>
             </a:fld>
-            <a:endParaRPr lang="en-FI"/>
+            <a:endParaRPr lang="en-GB"/>
           </a:p>
         </p:txBody>
       </p:sp>
@@ -784,7 +784,7 @@
           <a:bodyPr/>
           <a:lstStyle/>
           <a:p>
-            <a:endParaRPr lang="en-FI"/>
+            <a:endParaRPr lang="en-GB"/>
           </a:p>
         </p:txBody>
       </p:sp>
@@ -803,18 +803,18 @@
           <a:bodyPr/>
           <a:lstStyle/>
           <a:p>
-            <a:fld id="{D0100814-528C-1E43-A96A-17574B552906}" type="slidenum">
-              <a:rPr lang="en-FI" smtClean="0"/>
+            <a:fld id="{176483DE-1650-D24E-B86E-522C5B187573}" type="slidenum">
+              <a:rPr lang="en-GB" smtClean="0"/>
               <a:t>‹#›</a:t>
             </a:fld>
-            <a:endParaRPr lang="en-FI"/>
+            <a:endParaRPr lang="en-GB"/>
           </a:p>
         </p:txBody>
       </p:sp>
     </p:spTree>
     <p:extLst>
       <p:ext uri="{BB962C8B-B14F-4D97-AF65-F5344CB8AC3E}">
-        <p14:creationId xmlns:p14="http://schemas.microsoft.com/office/powerpoint/2010/main" val="3086651619"/>
+        <p14:creationId xmlns:p14="http://schemas.microsoft.com/office/powerpoint/2010/main" val="4168203773"/>
       </p:ext>
     </p:extLst>
   </p:cSld>
@@ -1005,11 +1005,11 @@
           <a:bodyPr/>
           <a:lstStyle/>
           <a:p>
-            <a:fld id="{9F950D6D-D638-944C-997A-9DAC4E6CC4FC}" type="datetimeFigureOut">
-              <a:rPr lang="en-FI" smtClean="0"/>
-              <a:t>10.3.2022</a:t>
+            <a:fld id="{A8964ADD-0953-8940-9E96-FB0BF4E5F7EB}" type="datetimeFigureOut">
+              <a:rPr lang="en-GB" smtClean="0"/>
+              <a:t>12/04/2022</a:t>
             </a:fld>
-            <a:endParaRPr lang="en-FI"/>
+            <a:endParaRPr lang="en-GB"/>
           </a:p>
         </p:txBody>
       </p:sp>
@@ -1028,7 +1028,7 @@
           <a:bodyPr/>
           <a:lstStyle/>
           <a:p>
-            <a:endParaRPr lang="en-FI"/>
+            <a:endParaRPr lang="en-GB"/>
           </a:p>
         </p:txBody>
       </p:sp>
@@ -1047,18 +1047,18 @@
           <a:bodyPr/>
           <a:lstStyle/>
           <a:p>
-            <a:fld id="{D0100814-528C-1E43-A96A-17574B552906}" type="slidenum">
-              <a:rPr lang="en-FI" smtClean="0"/>
+            <a:fld id="{176483DE-1650-D24E-B86E-522C5B187573}" type="slidenum">
+              <a:rPr lang="en-GB" smtClean="0"/>
               <a:t>‹#›</a:t>
             </a:fld>
-            <a:endParaRPr lang="en-FI"/>
+            <a:endParaRPr lang="en-GB"/>
           </a:p>
         </p:txBody>
       </p:sp>
     </p:spTree>
     <p:extLst>
       <p:ext uri="{BB962C8B-B14F-4D97-AF65-F5344CB8AC3E}">
-        <p14:creationId xmlns:p14="http://schemas.microsoft.com/office/powerpoint/2010/main" val="4195195624"/>
+        <p14:creationId xmlns:p14="http://schemas.microsoft.com/office/powerpoint/2010/main" val="360889180"/>
       </p:ext>
     </p:extLst>
   </p:cSld>
@@ -1237,11 +1237,11 @@
           <a:bodyPr/>
           <a:lstStyle/>
           <a:p>
-            <a:fld id="{9F950D6D-D638-944C-997A-9DAC4E6CC4FC}" type="datetimeFigureOut">
-              <a:rPr lang="en-FI" smtClean="0"/>
-              <a:t>10.3.2022</a:t>
+            <a:fld id="{A8964ADD-0953-8940-9E96-FB0BF4E5F7EB}" type="datetimeFigureOut">
+              <a:rPr lang="en-GB" smtClean="0"/>
+              <a:t>12/04/2022</a:t>
             </a:fld>
-            <a:endParaRPr lang="en-FI"/>
+            <a:endParaRPr lang="en-GB"/>
           </a:p>
         </p:txBody>
       </p:sp>
@@ -1260,7 +1260,7 @@
           <a:bodyPr/>
           <a:lstStyle/>
           <a:p>
-            <a:endParaRPr lang="en-FI"/>
+            <a:endParaRPr lang="en-GB"/>
           </a:p>
         </p:txBody>
       </p:sp>
@@ -1279,18 +1279,18 @@
           <a:bodyPr/>
           <a:lstStyle/>
           <a:p>
-            <a:fld id="{D0100814-528C-1E43-A96A-17574B552906}" type="slidenum">
-              <a:rPr lang="en-FI" smtClean="0"/>
+            <a:fld id="{176483DE-1650-D24E-B86E-522C5B187573}" type="slidenum">
+              <a:rPr lang="en-GB" smtClean="0"/>
               <a:t>‹#›</a:t>
             </a:fld>
-            <a:endParaRPr lang="en-FI"/>
+            <a:endParaRPr lang="en-GB"/>
           </a:p>
         </p:txBody>
       </p:sp>
     </p:spTree>
     <p:extLst>
       <p:ext uri="{BB962C8B-B14F-4D97-AF65-F5344CB8AC3E}">
-        <p14:creationId xmlns:p14="http://schemas.microsoft.com/office/powerpoint/2010/main" val="773376349"/>
+        <p14:creationId xmlns:p14="http://schemas.microsoft.com/office/powerpoint/2010/main" val="63663753"/>
       </p:ext>
     </p:extLst>
   </p:cSld>
@@ -1604,11 +1604,11 @@
           <a:bodyPr/>
           <a:lstStyle/>
           <a:p>
-            <a:fld id="{9F950D6D-D638-944C-997A-9DAC4E6CC4FC}" type="datetimeFigureOut">
-              <a:rPr lang="en-FI" smtClean="0"/>
-              <a:t>10.3.2022</a:t>
+            <a:fld id="{A8964ADD-0953-8940-9E96-FB0BF4E5F7EB}" type="datetimeFigureOut">
+              <a:rPr lang="en-GB" smtClean="0"/>
+              <a:t>12/04/2022</a:t>
             </a:fld>
-            <a:endParaRPr lang="en-FI"/>
+            <a:endParaRPr lang="en-GB"/>
           </a:p>
         </p:txBody>
       </p:sp>
@@ -1627,7 +1627,7 @@
           <a:bodyPr/>
           <a:lstStyle/>
           <a:p>
-            <a:endParaRPr lang="en-FI"/>
+            <a:endParaRPr lang="en-GB"/>
           </a:p>
         </p:txBody>
       </p:sp>
@@ -1646,18 +1646,18 @@
           <a:bodyPr/>
           <a:lstStyle/>
           <a:p>
-            <a:fld id="{D0100814-528C-1E43-A96A-17574B552906}" type="slidenum">
-              <a:rPr lang="en-FI" smtClean="0"/>
+            <a:fld id="{176483DE-1650-D24E-B86E-522C5B187573}" type="slidenum">
+              <a:rPr lang="en-GB" smtClean="0"/>
               <a:t>‹#›</a:t>
             </a:fld>
-            <a:endParaRPr lang="en-FI"/>
+            <a:endParaRPr lang="en-GB"/>
           </a:p>
         </p:txBody>
       </p:sp>
     </p:spTree>
     <p:extLst>
       <p:ext uri="{BB962C8B-B14F-4D97-AF65-F5344CB8AC3E}">
-        <p14:creationId xmlns:p14="http://schemas.microsoft.com/office/powerpoint/2010/main" val="3644781674"/>
+        <p14:creationId xmlns:p14="http://schemas.microsoft.com/office/powerpoint/2010/main" val="504943351"/>
       </p:ext>
     </p:extLst>
   </p:cSld>
@@ -1722,11 +1722,11 @@
           <a:bodyPr/>
           <a:lstStyle/>
           <a:p>
-            <a:fld id="{9F950D6D-D638-944C-997A-9DAC4E6CC4FC}" type="datetimeFigureOut">
-              <a:rPr lang="en-FI" smtClean="0"/>
-              <a:t>10.3.2022</a:t>
+            <a:fld id="{A8964ADD-0953-8940-9E96-FB0BF4E5F7EB}" type="datetimeFigureOut">
+              <a:rPr lang="en-GB" smtClean="0"/>
+              <a:t>12/04/2022</a:t>
             </a:fld>
-            <a:endParaRPr lang="en-FI"/>
+            <a:endParaRPr lang="en-GB"/>
           </a:p>
         </p:txBody>
       </p:sp>
@@ -1745,7 +1745,7 @@
           <a:bodyPr/>
           <a:lstStyle/>
           <a:p>
-            <a:endParaRPr lang="en-FI"/>
+            <a:endParaRPr lang="en-GB"/>
           </a:p>
         </p:txBody>
       </p:sp>
@@ -1764,18 +1764,18 @@
           <a:bodyPr/>
           <a:lstStyle/>
           <a:p>
-            <a:fld id="{D0100814-528C-1E43-A96A-17574B552906}" type="slidenum">
-              <a:rPr lang="en-FI" smtClean="0"/>
+            <a:fld id="{176483DE-1650-D24E-B86E-522C5B187573}" type="slidenum">
+              <a:rPr lang="en-GB" smtClean="0"/>
               <a:t>‹#›</a:t>
             </a:fld>
-            <a:endParaRPr lang="en-FI"/>
+            <a:endParaRPr lang="en-GB"/>
           </a:p>
         </p:txBody>
       </p:sp>
     </p:spTree>
     <p:extLst>
       <p:ext uri="{BB962C8B-B14F-4D97-AF65-F5344CB8AC3E}">
-        <p14:creationId xmlns:p14="http://schemas.microsoft.com/office/powerpoint/2010/main" val="2427888140"/>
+        <p14:creationId xmlns:p14="http://schemas.microsoft.com/office/powerpoint/2010/main" val="1740552528"/>
       </p:ext>
     </p:extLst>
   </p:cSld>
@@ -1817,11 +1817,11 @@
           <a:bodyPr/>
           <a:lstStyle/>
           <a:p>
-            <a:fld id="{9F950D6D-D638-944C-997A-9DAC4E6CC4FC}" type="datetimeFigureOut">
-              <a:rPr lang="en-FI" smtClean="0"/>
-              <a:t>10.3.2022</a:t>
+            <a:fld id="{A8964ADD-0953-8940-9E96-FB0BF4E5F7EB}" type="datetimeFigureOut">
+              <a:rPr lang="en-GB" smtClean="0"/>
+              <a:t>12/04/2022</a:t>
             </a:fld>
-            <a:endParaRPr lang="en-FI"/>
+            <a:endParaRPr lang="en-GB"/>
           </a:p>
         </p:txBody>
       </p:sp>
@@ -1840,7 +1840,7 @@
           <a:bodyPr/>
           <a:lstStyle/>
           <a:p>
-            <a:endParaRPr lang="en-FI"/>
+            <a:endParaRPr lang="en-GB"/>
           </a:p>
         </p:txBody>
       </p:sp>
@@ -1859,18 +1859,18 @@
           <a:bodyPr/>
           <a:lstStyle/>
           <a:p>
-            <a:fld id="{D0100814-528C-1E43-A96A-17574B552906}" type="slidenum">
-              <a:rPr lang="en-FI" smtClean="0"/>
+            <a:fld id="{176483DE-1650-D24E-B86E-522C5B187573}" type="slidenum">
+              <a:rPr lang="en-GB" smtClean="0"/>
               <a:t>‹#›</a:t>
             </a:fld>
-            <a:endParaRPr lang="en-FI"/>
+            <a:endParaRPr lang="en-GB"/>
           </a:p>
         </p:txBody>
       </p:sp>
     </p:spTree>
     <p:extLst>
       <p:ext uri="{BB962C8B-B14F-4D97-AF65-F5344CB8AC3E}">
-        <p14:creationId xmlns:p14="http://schemas.microsoft.com/office/powerpoint/2010/main" val="3622331064"/>
+        <p14:creationId xmlns:p14="http://schemas.microsoft.com/office/powerpoint/2010/main" val="4058130480"/>
       </p:ext>
     </p:extLst>
   </p:cSld>
@@ -2094,11 +2094,11 @@
           <a:bodyPr/>
           <a:lstStyle/>
           <a:p>
-            <a:fld id="{9F950D6D-D638-944C-997A-9DAC4E6CC4FC}" type="datetimeFigureOut">
-              <a:rPr lang="en-FI" smtClean="0"/>
-              <a:t>10.3.2022</a:t>
+            <a:fld id="{A8964ADD-0953-8940-9E96-FB0BF4E5F7EB}" type="datetimeFigureOut">
+              <a:rPr lang="en-GB" smtClean="0"/>
+              <a:t>12/04/2022</a:t>
             </a:fld>
-            <a:endParaRPr lang="en-FI"/>
+            <a:endParaRPr lang="en-GB"/>
           </a:p>
         </p:txBody>
       </p:sp>
@@ -2117,7 +2117,7 @@
           <a:bodyPr/>
           <a:lstStyle/>
           <a:p>
-            <a:endParaRPr lang="en-FI"/>
+            <a:endParaRPr lang="en-GB"/>
           </a:p>
         </p:txBody>
       </p:sp>
@@ -2136,18 +2136,18 @@
           <a:bodyPr/>
           <a:lstStyle/>
           <a:p>
-            <a:fld id="{D0100814-528C-1E43-A96A-17574B552906}" type="slidenum">
-              <a:rPr lang="en-FI" smtClean="0"/>
+            <a:fld id="{176483DE-1650-D24E-B86E-522C5B187573}" type="slidenum">
+              <a:rPr lang="en-GB" smtClean="0"/>
               <a:t>‹#›</a:t>
             </a:fld>
-            <a:endParaRPr lang="en-FI"/>
+            <a:endParaRPr lang="en-GB"/>
           </a:p>
         </p:txBody>
       </p:sp>
     </p:spTree>
     <p:extLst>
       <p:ext uri="{BB962C8B-B14F-4D97-AF65-F5344CB8AC3E}">
-        <p14:creationId xmlns:p14="http://schemas.microsoft.com/office/powerpoint/2010/main" val="1770873422"/>
+        <p14:creationId xmlns:p14="http://schemas.microsoft.com/office/powerpoint/2010/main" val="902553607"/>
       </p:ext>
     </p:extLst>
   </p:cSld>
@@ -2351,11 +2351,11 @@
           <a:bodyPr/>
           <a:lstStyle/>
           <a:p>
-            <a:fld id="{9F950D6D-D638-944C-997A-9DAC4E6CC4FC}" type="datetimeFigureOut">
-              <a:rPr lang="en-FI" smtClean="0"/>
-              <a:t>10.3.2022</a:t>
+            <a:fld id="{A8964ADD-0953-8940-9E96-FB0BF4E5F7EB}" type="datetimeFigureOut">
+              <a:rPr lang="en-GB" smtClean="0"/>
+              <a:t>12/04/2022</a:t>
             </a:fld>
-            <a:endParaRPr lang="en-FI"/>
+            <a:endParaRPr lang="en-GB"/>
           </a:p>
         </p:txBody>
       </p:sp>
@@ -2374,7 +2374,7 @@
           <a:bodyPr/>
           <a:lstStyle/>
           <a:p>
-            <a:endParaRPr lang="en-FI"/>
+            <a:endParaRPr lang="en-GB"/>
           </a:p>
         </p:txBody>
       </p:sp>
@@ -2393,18 +2393,18 @@
           <a:bodyPr/>
           <a:lstStyle/>
           <a:p>
-            <a:fld id="{D0100814-528C-1E43-A96A-17574B552906}" type="slidenum">
-              <a:rPr lang="en-FI" smtClean="0"/>
+            <a:fld id="{176483DE-1650-D24E-B86E-522C5B187573}" type="slidenum">
+              <a:rPr lang="en-GB" smtClean="0"/>
               <a:t>‹#›</a:t>
             </a:fld>
-            <a:endParaRPr lang="en-FI"/>
+            <a:endParaRPr lang="en-GB"/>
           </a:p>
         </p:txBody>
       </p:sp>
     </p:spTree>
     <p:extLst>
       <p:ext uri="{BB962C8B-B14F-4D97-AF65-F5344CB8AC3E}">
-        <p14:creationId xmlns:p14="http://schemas.microsoft.com/office/powerpoint/2010/main" val="3301931278"/>
+        <p14:creationId xmlns:p14="http://schemas.microsoft.com/office/powerpoint/2010/main" val="2616903146"/>
       </p:ext>
     </p:extLst>
   </p:cSld>
@@ -2564,11 +2564,11 @@
             </a:lvl1pPr>
           </a:lstStyle>
           <a:p>
-            <a:fld id="{9F950D6D-D638-944C-997A-9DAC4E6CC4FC}" type="datetimeFigureOut">
-              <a:rPr lang="en-FI" smtClean="0"/>
-              <a:t>10.3.2022</a:t>
+            <a:fld id="{A8964ADD-0953-8940-9E96-FB0BF4E5F7EB}" type="datetimeFigureOut">
+              <a:rPr lang="en-GB" smtClean="0"/>
+              <a:t>12/04/2022</a:t>
             </a:fld>
-            <a:endParaRPr lang="en-FI"/>
+            <a:endParaRPr lang="en-GB"/>
           </a:p>
         </p:txBody>
       </p:sp>
@@ -2605,7 +2605,7 @@
             </a:lvl1pPr>
           </a:lstStyle>
           <a:p>
-            <a:endParaRPr lang="en-FI"/>
+            <a:endParaRPr lang="en-GB"/>
           </a:p>
         </p:txBody>
       </p:sp>
@@ -2642,18 +2642,18 @@
             </a:lvl1pPr>
           </a:lstStyle>
           <a:p>
-            <a:fld id="{D0100814-528C-1E43-A96A-17574B552906}" type="slidenum">
-              <a:rPr lang="en-FI" smtClean="0"/>
+            <a:fld id="{176483DE-1650-D24E-B86E-522C5B187573}" type="slidenum">
+              <a:rPr lang="en-GB" smtClean="0"/>
               <a:t>‹#›</a:t>
             </a:fld>
-            <a:endParaRPr lang="en-FI"/>
+            <a:endParaRPr lang="en-GB"/>
           </a:p>
         </p:txBody>
       </p:sp>
     </p:spTree>
     <p:extLst>
       <p:ext uri="{BB962C8B-B14F-4D97-AF65-F5344CB8AC3E}">
-        <p14:creationId xmlns:p14="http://schemas.microsoft.com/office/powerpoint/2010/main" val="2025593102"/>
+        <p14:creationId xmlns:p14="http://schemas.microsoft.com/office/powerpoint/2010/main" val="1969707913"/>
       </p:ext>
     </p:extLst>
   </p:cSld>
@@ -2973,10 +2973,10 @@
       </p:grpSpPr>
       <p:pic>
         <p:nvPicPr>
-          <p:cNvPr id="3" name="Picture 2">
+          <p:cNvPr id="22" name="Picture 21">
             <a:extLst>
               <a:ext uri="{FF2B5EF4-FFF2-40B4-BE49-F238E27FC236}">
-                <a16:creationId xmlns:a16="http://schemas.microsoft.com/office/drawing/2014/main" id="{31F2206B-F06B-3C49-A199-8E41DCDF29C1}"/>
+                <a16:creationId xmlns:a16="http://schemas.microsoft.com/office/drawing/2014/main" id="{F1A1B6E4-D185-A849-BB40-B2ACB2359099}"/>
               </a:ext>
             </a:extLst>
           </p:cNvPr>
@@ -2985,16 +2985,15 @@
           </p:cNvPicPr>
           <p:nvPr/>
         </p:nvPicPr>
-        <p:blipFill>
+        <p:blipFill rotWithShape="1">
           <a:blip r:embed="rId2"/>
-          <a:stretch>
-            <a:fillRect/>
-          </a:stretch>
+          <a:srcRect l="3543" t="4117" r="3517" b="3769"/>
+          <a:stretch/>
         </p:blipFill>
         <p:spPr>
           <a:xfrm>
-            <a:off x="2792343" y="0"/>
-            <a:ext cx="4051273" cy="4051273"/>
+            <a:off x="2835870" y="8036600"/>
+            <a:ext cx="4027853" cy="3992081"/>
           </a:xfrm>
           <a:prstGeom prst="rect">
             <a:avLst/>
@@ -3003,10 +3002,10 @@
       </p:pic>
       <p:pic>
         <p:nvPicPr>
-          <p:cNvPr id="6" name="Picture 5">
+          <p:cNvPr id="7" name="Picture 6">
             <a:extLst>
               <a:ext uri="{FF2B5EF4-FFF2-40B4-BE49-F238E27FC236}">
-                <a16:creationId xmlns:a16="http://schemas.microsoft.com/office/drawing/2014/main" id="{9BD984E7-6C69-2346-8B69-835B1D01DFF4}"/>
+                <a16:creationId xmlns:a16="http://schemas.microsoft.com/office/drawing/2014/main" id="{39B9CA4C-893E-8F44-9DEC-D0A0E5E7D256}"/>
               </a:ext>
             </a:extLst>
           </p:cNvPr>
@@ -3015,28 +3014,138 @@
           </p:cNvPicPr>
           <p:nvPr/>
         </p:nvPicPr>
-        <p:blipFill>
+        <p:blipFill rotWithShape="1">
           <a:blip r:embed="rId3"/>
-          <a:stretch>
-            <a:fillRect/>
-          </a:stretch>
+          <a:srcRect l="5553" t="5080" r="5080" b="6350"/>
+          <a:stretch/>
         </p:blipFill>
         <p:spPr>
           <a:xfrm>
-            <a:off x="2806727" y="4051273"/>
-            <a:ext cx="4051273" cy="4051273"/>
+            <a:off x="2835870" y="4044519"/>
+            <a:ext cx="4027853" cy="3992081"/>
           </a:xfrm>
           <a:prstGeom prst="rect">
             <a:avLst/>
           </a:prstGeom>
         </p:spPr>
       </p:pic>
+      <p:sp>
+        <p:nvSpPr>
+          <p:cNvPr id="10" name="TextBox 9">
+            <a:extLst>
+              <a:ext uri="{FF2B5EF4-FFF2-40B4-BE49-F238E27FC236}">
+                <a16:creationId xmlns:a16="http://schemas.microsoft.com/office/drawing/2014/main" id="{1DEAB816-4EAE-904F-A035-655621EFA3CF}"/>
+              </a:ext>
+            </a:extLst>
+          </p:cNvPr>
+          <p:cNvSpPr txBox="1"/>
+          <p:nvPr/>
+        </p:nvSpPr>
+        <p:spPr>
+          <a:xfrm>
+            <a:off x="2337524" y="-30750"/>
+            <a:ext cx="356188" cy="461665"/>
+          </a:xfrm>
+          <a:prstGeom prst="rect">
+            <a:avLst/>
+          </a:prstGeom>
+          <a:noFill/>
+        </p:spPr>
+        <p:txBody>
+          <a:bodyPr wrap="none" rtlCol="0">
+            <a:spAutoFit/>
+          </a:bodyPr>
+          <a:lstStyle/>
+          <a:p>
+            <a:r>
+              <a:rPr lang="en-GB" sz="2400" b="1" dirty="0">
+                <a:latin typeface="Helvetica" pitchFamily="2" charset="0"/>
+              </a:rPr>
+              <a:t>a</a:t>
+            </a:r>
+          </a:p>
+        </p:txBody>
+      </p:sp>
+      <p:sp>
+        <p:nvSpPr>
+          <p:cNvPr id="11" name="TextBox 10">
+            <a:extLst>
+              <a:ext uri="{FF2B5EF4-FFF2-40B4-BE49-F238E27FC236}">
+                <a16:creationId xmlns:a16="http://schemas.microsoft.com/office/drawing/2014/main" id="{A1D0779A-3DD1-6742-85B3-58DE391A5758}"/>
+              </a:ext>
+            </a:extLst>
+          </p:cNvPr>
+          <p:cNvSpPr txBox="1"/>
+          <p:nvPr/>
+        </p:nvSpPr>
+        <p:spPr>
+          <a:xfrm>
+            <a:off x="2329509" y="3924567"/>
+            <a:ext cx="372218" cy="461665"/>
+          </a:xfrm>
+          <a:prstGeom prst="rect">
+            <a:avLst/>
+          </a:prstGeom>
+          <a:noFill/>
+        </p:spPr>
+        <p:txBody>
+          <a:bodyPr wrap="square" rtlCol="0">
+            <a:spAutoFit/>
+          </a:bodyPr>
+          <a:lstStyle/>
+          <a:p>
+            <a:r>
+              <a:rPr lang="en-GB" sz="2400" b="1" dirty="0">
+                <a:latin typeface="Helvetica" pitchFamily="2" charset="0"/>
+              </a:rPr>
+              <a:t>b</a:t>
+            </a:r>
+          </a:p>
+        </p:txBody>
+      </p:sp>
+      <p:sp>
+        <p:nvSpPr>
+          <p:cNvPr id="12" name="TextBox 11">
+            <a:extLst>
+              <a:ext uri="{FF2B5EF4-FFF2-40B4-BE49-F238E27FC236}">
+                <a16:creationId xmlns:a16="http://schemas.microsoft.com/office/drawing/2014/main" id="{A16E1948-818A-8E4E-B49A-FFD2700D4751}"/>
+              </a:ext>
+            </a:extLst>
+          </p:cNvPr>
+          <p:cNvSpPr txBox="1"/>
+          <p:nvPr/>
+        </p:nvSpPr>
+        <p:spPr>
+          <a:xfrm>
+            <a:off x="2337524" y="7989242"/>
+            <a:ext cx="356188" cy="461665"/>
+          </a:xfrm>
+          <a:prstGeom prst="rect">
+            <a:avLst/>
+          </a:prstGeom>
+          <a:noFill/>
+        </p:spPr>
+        <p:txBody>
+          <a:bodyPr wrap="none" rtlCol="0">
+            <a:spAutoFit/>
+          </a:bodyPr>
+          <a:lstStyle/>
+          <a:p>
+            <a:r>
+              <a:rPr lang="en-GB" sz="2400" b="1" dirty="0">
+                <a:latin typeface="Helvetica" pitchFamily="2" charset="0"/>
+              </a:rPr>
+              <a:t>c</a:t>
+            </a:r>
+          </a:p>
+        </p:txBody>
+      </p:sp>
       <p:pic>
         <p:nvPicPr>
-          <p:cNvPr id="13" name="Picture 12">
+          <p:cNvPr id="24" name="Picture 23">
             <a:extLst>
               <a:ext uri="{FF2B5EF4-FFF2-40B4-BE49-F238E27FC236}">
-                <a16:creationId xmlns:a16="http://schemas.microsoft.com/office/drawing/2014/main" id="{C459255D-6AFA-0F44-9B6F-3FDA5F8AEC84}"/>
+                <a16:creationId xmlns:a16="http://schemas.microsoft.com/office/drawing/2014/main" id="{BCE2262A-30E3-6D4F-ACC0-4016450B2B6E}"/>
               </a:ext>
             </a:extLst>
           </p:cNvPr>
@@ -3045,146 +3154,25 @@
           </p:cNvPicPr>
           <p:nvPr/>
         </p:nvPicPr>
-        <p:blipFill>
+        <p:blipFill rotWithShape="1">
           <a:blip r:embed="rId4"/>
-          <a:stretch>
-            <a:fillRect/>
-          </a:stretch>
+          <a:srcRect l="5036" t="3411" r="4110" b="5426"/>
+          <a:stretch/>
         </p:blipFill>
         <p:spPr>
           <a:xfrm>
-            <a:off x="2785931" y="8102546"/>
-            <a:ext cx="4051273" cy="4051273"/>
+            <a:off x="2800515" y="0"/>
+            <a:ext cx="4057486" cy="4071334"/>
           </a:xfrm>
           <a:prstGeom prst="rect">
             <a:avLst/>
           </a:prstGeom>
         </p:spPr>
       </p:pic>
-      <p:sp>
-        <p:nvSpPr>
-          <p:cNvPr id="10" name="TextBox 9">
-            <a:extLst>
-              <a:ext uri="{FF2B5EF4-FFF2-40B4-BE49-F238E27FC236}">
-                <a16:creationId xmlns:a16="http://schemas.microsoft.com/office/drawing/2014/main" id="{398FE752-7828-8C42-8B52-1300418C132F}"/>
-              </a:ext>
-            </a:extLst>
-          </p:cNvPr>
-          <p:cNvSpPr txBox="1"/>
-          <p:nvPr/>
-        </p:nvSpPr>
-        <p:spPr>
-          <a:xfrm>
-            <a:off x="2635890" y="203477"/>
-            <a:ext cx="312906" cy="369332"/>
-          </a:xfrm>
-          <a:prstGeom prst="rect">
-            <a:avLst/>
-          </a:prstGeom>
-          <a:noFill/>
-        </p:spPr>
-        <p:txBody>
-          <a:bodyPr wrap="none" rtlCol="0">
-            <a:spAutoFit/>
-          </a:bodyPr>
-          <a:lstStyle/>
-          <a:p>
-            <a:r>
-              <a:rPr lang="en-GB" b="1" dirty="0">
-                <a:latin typeface="Helvetica" pitchFamily="2" charset="0"/>
-              </a:rPr>
-              <a:t>a</a:t>
-            </a:r>
-            <a:endParaRPr lang="en-FI" b="1" dirty="0">
-              <a:latin typeface="Helvetica" pitchFamily="2" charset="0"/>
-            </a:endParaRPr>
-          </a:p>
-        </p:txBody>
-      </p:sp>
-      <p:sp>
-        <p:nvSpPr>
-          <p:cNvPr id="11" name="TextBox 10">
-            <a:extLst>
-              <a:ext uri="{FF2B5EF4-FFF2-40B4-BE49-F238E27FC236}">
-                <a16:creationId xmlns:a16="http://schemas.microsoft.com/office/drawing/2014/main" id="{2BE68A58-F8C7-D44E-A4E6-D95A7382DD85}"/>
-              </a:ext>
-            </a:extLst>
-          </p:cNvPr>
-          <p:cNvSpPr txBox="1"/>
-          <p:nvPr/>
-        </p:nvSpPr>
-        <p:spPr>
-          <a:xfrm>
-            <a:off x="2623066" y="4051273"/>
-            <a:ext cx="325730" cy="369332"/>
-          </a:xfrm>
-          <a:prstGeom prst="rect">
-            <a:avLst/>
-          </a:prstGeom>
-          <a:noFill/>
-        </p:spPr>
-        <p:txBody>
-          <a:bodyPr wrap="none" rtlCol="0">
-            <a:spAutoFit/>
-          </a:bodyPr>
-          <a:lstStyle/>
-          <a:p>
-            <a:r>
-              <a:rPr lang="en-GB" b="1" dirty="0">
-                <a:latin typeface="Helvetica" pitchFamily="2" charset="0"/>
-              </a:rPr>
-              <a:t>b</a:t>
-            </a:r>
-            <a:endParaRPr lang="en-FI" b="1" dirty="0">
-              <a:latin typeface="Helvetica" pitchFamily="2" charset="0"/>
-            </a:endParaRPr>
-          </a:p>
-        </p:txBody>
-      </p:sp>
-      <p:sp>
-        <p:nvSpPr>
-          <p:cNvPr id="12" name="TextBox 11">
-            <a:extLst>
-              <a:ext uri="{FF2B5EF4-FFF2-40B4-BE49-F238E27FC236}">
-                <a16:creationId xmlns:a16="http://schemas.microsoft.com/office/drawing/2014/main" id="{A509BD38-E8AE-9542-AE2B-8C1DE478414E}"/>
-              </a:ext>
-            </a:extLst>
-          </p:cNvPr>
-          <p:cNvSpPr txBox="1"/>
-          <p:nvPr/>
-        </p:nvSpPr>
-        <p:spPr>
-          <a:xfrm>
-            <a:off x="2643153" y="7884224"/>
-            <a:ext cx="312906" cy="369332"/>
-          </a:xfrm>
-          <a:prstGeom prst="rect">
-            <a:avLst/>
-          </a:prstGeom>
-          <a:noFill/>
-        </p:spPr>
-        <p:txBody>
-          <a:bodyPr wrap="none" rtlCol="0">
-            <a:spAutoFit/>
-          </a:bodyPr>
-          <a:lstStyle/>
-          <a:p>
-            <a:r>
-              <a:rPr lang="en-GB" b="1" dirty="0">
-                <a:latin typeface="Helvetica" pitchFamily="2" charset="0"/>
-              </a:rPr>
-              <a:t>c</a:t>
-            </a:r>
-            <a:endParaRPr lang="en-FI" b="1" dirty="0">
-              <a:latin typeface="Helvetica" pitchFamily="2" charset="0"/>
-            </a:endParaRPr>
-          </a:p>
-        </p:txBody>
-      </p:sp>
     </p:spTree>
     <p:extLst>
       <p:ext uri="{BB962C8B-B14F-4D97-AF65-F5344CB8AC3E}">
-        <p14:creationId xmlns:p14="http://schemas.microsoft.com/office/powerpoint/2010/main" val="2889458058"/>
+        <p14:creationId xmlns:p14="http://schemas.microsoft.com/office/powerpoint/2010/main" val="1054392799"/>
       </p:ext>
     </p:extLst>
   </p:cSld>

--- a/plots/Fig4.pptx
+++ b/plots/Fig4.pptx
@@ -243,7 +243,7 @@
           <a:p>
             <a:fld id="{A8964ADD-0953-8940-9E96-FB0BF4E5F7EB}" type="datetimeFigureOut">
               <a:rPr lang="en-GB" smtClean="0"/>
-              <a:t>12/04/2022</a:t>
+              <a:t>14/04/2022</a:t>
             </a:fld>
             <a:endParaRPr lang="en-GB"/>
           </a:p>
@@ -413,7 +413,7 @@
           <a:p>
             <a:fld id="{A8964ADD-0953-8940-9E96-FB0BF4E5F7EB}" type="datetimeFigureOut">
               <a:rPr lang="en-GB" smtClean="0"/>
-              <a:t>12/04/2022</a:t>
+              <a:t>14/04/2022</a:t>
             </a:fld>
             <a:endParaRPr lang="en-GB"/>
           </a:p>
@@ -593,7 +593,7 @@
           <a:p>
             <a:fld id="{A8964ADD-0953-8940-9E96-FB0BF4E5F7EB}" type="datetimeFigureOut">
               <a:rPr lang="en-GB" smtClean="0"/>
-              <a:t>12/04/2022</a:t>
+              <a:t>14/04/2022</a:t>
             </a:fld>
             <a:endParaRPr lang="en-GB"/>
           </a:p>
@@ -763,7 +763,7 @@
           <a:p>
             <a:fld id="{A8964ADD-0953-8940-9E96-FB0BF4E5F7EB}" type="datetimeFigureOut">
               <a:rPr lang="en-GB" smtClean="0"/>
-              <a:t>12/04/2022</a:t>
+              <a:t>14/04/2022</a:t>
             </a:fld>
             <a:endParaRPr lang="en-GB"/>
           </a:p>
@@ -1007,7 +1007,7 @@
           <a:p>
             <a:fld id="{A8964ADD-0953-8940-9E96-FB0BF4E5F7EB}" type="datetimeFigureOut">
               <a:rPr lang="en-GB" smtClean="0"/>
-              <a:t>12/04/2022</a:t>
+              <a:t>14/04/2022</a:t>
             </a:fld>
             <a:endParaRPr lang="en-GB"/>
           </a:p>
@@ -1239,7 +1239,7 @@
           <a:p>
             <a:fld id="{A8964ADD-0953-8940-9E96-FB0BF4E5F7EB}" type="datetimeFigureOut">
               <a:rPr lang="en-GB" smtClean="0"/>
-              <a:t>12/04/2022</a:t>
+              <a:t>14/04/2022</a:t>
             </a:fld>
             <a:endParaRPr lang="en-GB"/>
           </a:p>
@@ -1606,7 +1606,7 @@
           <a:p>
             <a:fld id="{A8964ADD-0953-8940-9E96-FB0BF4E5F7EB}" type="datetimeFigureOut">
               <a:rPr lang="en-GB" smtClean="0"/>
-              <a:t>12/04/2022</a:t>
+              <a:t>14/04/2022</a:t>
             </a:fld>
             <a:endParaRPr lang="en-GB"/>
           </a:p>
@@ -1724,7 +1724,7 @@
           <a:p>
             <a:fld id="{A8964ADD-0953-8940-9E96-FB0BF4E5F7EB}" type="datetimeFigureOut">
               <a:rPr lang="en-GB" smtClean="0"/>
-              <a:t>12/04/2022</a:t>
+              <a:t>14/04/2022</a:t>
             </a:fld>
             <a:endParaRPr lang="en-GB"/>
           </a:p>
@@ -1819,7 +1819,7 @@
           <a:p>
             <a:fld id="{A8964ADD-0953-8940-9E96-FB0BF4E5F7EB}" type="datetimeFigureOut">
               <a:rPr lang="en-GB" smtClean="0"/>
-              <a:t>12/04/2022</a:t>
+              <a:t>14/04/2022</a:t>
             </a:fld>
             <a:endParaRPr lang="en-GB"/>
           </a:p>
@@ -2096,7 +2096,7 @@
           <a:p>
             <a:fld id="{A8964ADD-0953-8940-9E96-FB0BF4E5F7EB}" type="datetimeFigureOut">
               <a:rPr lang="en-GB" smtClean="0"/>
-              <a:t>12/04/2022</a:t>
+              <a:t>14/04/2022</a:t>
             </a:fld>
             <a:endParaRPr lang="en-GB"/>
           </a:p>
@@ -2353,7 +2353,7 @@
           <a:p>
             <a:fld id="{A8964ADD-0953-8940-9E96-FB0BF4E5F7EB}" type="datetimeFigureOut">
               <a:rPr lang="en-GB" smtClean="0"/>
-              <a:t>12/04/2022</a:t>
+              <a:t>14/04/2022</a:t>
             </a:fld>
             <a:endParaRPr lang="en-GB"/>
           </a:p>
@@ -2566,7 +2566,7 @@
           <a:p>
             <a:fld id="{A8964ADD-0953-8940-9E96-FB0BF4E5F7EB}" type="datetimeFigureOut">
               <a:rPr lang="en-GB" smtClean="0"/>
-              <a:t>12/04/2022</a:t>
+              <a:t>14/04/2022</a:t>
             </a:fld>
             <a:endParaRPr lang="en-GB"/>
           </a:p>
@@ -2973,35 +2973,6 @@
       </p:grpSpPr>
       <p:pic>
         <p:nvPicPr>
-          <p:cNvPr id="22" name="Picture 21">
-            <a:extLst>
-              <a:ext uri="{FF2B5EF4-FFF2-40B4-BE49-F238E27FC236}">
-                <a16:creationId xmlns:a16="http://schemas.microsoft.com/office/drawing/2014/main" id="{F1A1B6E4-D185-A849-BB40-B2ACB2359099}"/>
-              </a:ext>
-            </a:extLst>
-          </p:cNvPr>
-          <p:cNvPicPr>
-            <a:picLocks noChangeAspect="1"/>
-          </p:cNvPicPr>
-          <p:nvPr/>
-        </p:nvPicPr>
-        <p:blipFill rotWithShape="1">
-          <a:blip r:embed="rId2"/>
-          <a:srcRect l="3543" t="4117" r="3517" b="3769"/>
-          <a:stretch/>
-        </p:blipFill>
-        <p:spPr>
-          <a:xfrm>
-            <a:off x="2835870" y="8036600"/>
-            <a:ext cx="4027853" cy="3992081"/>
-          </a:xfrm>
-          <a:prstGeom prst="rect">
-            <a:avLst/>
-          </a:prstGeom>
-        </p:spPr>
-      </p:pic>
-      <p:pic>
-        <p:nvPicPr>
           <p:cNvPr id="7" name="Picture 6">
             <a:extLst>
               <a:ext uri="{FF2B5EF4-FFF2-40B4-BE49-F238E27FC236}">
@@ -3015,7 +2986,7 @@
           <p:nvPr/>
         </p:nvPicPr>
         <p:blipFill rotWithShape="1">
-          <a:blip r:embed="rId3"/>
+          <a:blip r:embed="rId2"/>
           <a:srcRect l="5553" t="5080" r="5080" b="6350"/>
           <a:stretch/>
         </p:blipFill>
@@ -3117,7 +3088,7 @@
         </p:nvSpPr>
         <p:spPr>
           <a:xfrm>
-            <a:off x="2337524" y="7989242"/>
+            <a:off x="2402037" y="7879884"/>
             <a:ext cx="356188" cy="461665"/>
           </a:xfrm>
           <a:prstGeom prst="rect">
@@ -3155,7 +3126,7 @@
           <p:nvPr/>
         </p:nvPicPr>
         <p:blipFill rotWithShape="1">
-          <a:blip r:embed="rId4"/>
+          <a:blip r:embed="rId3"/>
           <a:srcRect l="5036" t="3411" r="4110" b="5426"/>
           <a:stretch/>
         </p:blipFill>
@@ -3163,6 +3134,35 @@
           <a:xfrm>
             <a:off x="2800515" y="0"/>
             <a:ext cx="4057486" cy="4071334"/>
+          </a:xfrm>
+          <a:prstGeom prst="rect">
+            <a:avLst/>
+          </a:prstGeom>
+        </p:spPr>
+      </p:pic>
+      <p:pic>
+        <p:nvPicPr>
+          <p:cNvPr id="3" name="Picture 2">
+            <a:extLst>
+              <a:ext uri="{FF2B5EF4-FFF2-40B4-BE49-F238E27FC236}">
+                <a16:creationId xmlns:a16="http://schemas.microsoft.com/office/drawing/2014/main" id="{DBE71911-7963-9D25-B2C4-709042D2C5E1}"/>
+              </a:ext>
+            </a:extLst>
+          </p:cNvPr>
+          <p:cNvPicPr>
+            <a:picLocks noChangeAspect="1"/>
+          </p:cNvPicPr>
+          <p:nvPr/>
+        </p:nvPicPr>
+        <p:blipFill rotWithShape="1">
+          <a:blip r:embed="rId4"/>
+          <a:srcRect l="4921" t="5714" r="5238" b="6349"/>
+          <a:stretch/>
+        </p:blipFill>
+        <p:spPr>
+          <a:xfrm>
+            <a:off x="2935114" y="8036601"/>
+            <a:ext cx="3922885" cy="3839714"/>
           </a:xfrm>
           <a:prstGeom prst="rect">
             <a:avLst/>

--- a/plots/Fig4.pptx
+++ b/plots/Fig4.pptx
@@ -2973,10 +2973,10 @@
       </p:grpSpPr>
       <p:pic>
         <p:nvPicPr>
-          <p:cNvPr id="7" name="Picture 6">
+          <p:cNvPr id="4" name="Picture 3">
             <a:extLst>
               <a:ext uri="{FF2B5EF4-FFF2-40B4-BE49-F238E27FC236}">
-                <a16:creationId xmlns:a16="http://schemas.microsoft.com/office/drawing/2014/main" id="{39B9CA4C-893E-8F44-9DEC-D0A0E5E7D256}"/>
+                <a16:creationId xmlns:a16="http://schemas.microsoft.com/office/drawing/2014/main" id="{67DB45D8-2798-0ABF-BAA6-9BB94BE796FA}"/>
               </a:ext>
             </a:extLst>
           </p:cNvPr>
@@ -2985,15 +2985,76 @@
           </p:cNvPicPr>
           <p:nvPr/>
         </p:nvPicPr>
-        <p:blipFill rotWithShape="1">
+        <p:blipFill>
           <a:blip r:embed="rId2"/>
-          <a:srcRect l="5553" t="5080" r="5080" b="6350"/>
-          <a:stretch/>
+          <a:stretch>
+            <a:fillRect/>
+          </a:stretch>
         </p:blipFill>
         <p:spPr>
           <a:xfrm>
-            <a:off x="2835870" y="4044519"/>
-            <a:ext cx="4027853" cy="3992081"/>
+            <a:off x="2755993" y="7742350"/>
+            <a:ext cx="4102007" cy="4102007"/>
+          </a:xfrm>
+          <a:prstGeom prst="rect">
+            <a:avLst/>
+          </a:prstGeom>
+        </p:spPr>
+      </p:pic>
+      <p:pic>
+        <p:nvPicPr>
+          <p:cNvPr id="6" name="Picture 5">
+            <a:extLst>
+              <a:ext uri="{FF2B5EF4-FFF2-40B4-BE49-F238E27FC236}">
+                <a16:creationId xmlns:a16="http://schemas.microsoft.com/office/drawing/2014/main" id="{14D3E6AC-EDAD-1284-B1CB-07A4E4086BB3}"/>
+              </a:ext>
+            </a:extLst>
+          </p:cNvPr>
+          <p:cNvPicPr>
+            <a:picLocks noChangeAspect="1"/>
+          </p:cNvPicPr>
+          <p:nvPr/>
+        </p:nvPicPr>
+        <p:blipFill>
+          <a:blip r:embed="rId3"/>
+          <a:stretch>
+            <a:fillRect/>
+          </a:stretch>
+        </p:blipFill>
+        <p:spPr>
+          <a:xfrm>
+            <a:off x="2755992" y="3871175"/>
+            <a:ext cx="4102007" cy="4102007"/>
+          </a:xfrm>
+          <a:prstGeom prst="rect">
+            <a:avLst/>
+          </a:prstGeom>
+        </p:spPr>
+      </p:pic>
+      <p:pic>
+        <p:nvPicPr>
+          <p:cNvPr id="9" name="Picture 8">
+            <a:extLst>
+              <a:ext uri="{FF2B5EF4-FFF2-40B4-BE49-F238E27FC236}">
+                <a16:creationId xmlns:a16="http://schemas.microsoft.com/office/drawing/2014/main" id="{6797DBC2-DB42-CF47-BEAD-CECEA83AB5E0}"/>
+              </a:ext>
+            </a:extLst>
+          </p:cNvPr>
+          <p:cNvPicPr>
+            <a:picLocks noChangeAspect="1"/>
+          </p:cNvPicPr>
+          <p:nvPr/>
+        </p:nvPicPr>
+        <p:blipFill>
+          <a:blip r:embed="rId4"/>
+          <a:stretch>
+            <a:fillRect/>
+          </a:stretch>
+        </p:blipFill>
+        <p:spPr>
+          <a:xfrm>
+            <a:off x="2755993" y="0"/>
+            <a:ext cx="4102007" cy="4102007"/>
           </a:xfrm>
           <a:prstGeom prst="rect">
             <a:avLst/>
@@ -3014,8 +3075,8 @@
         </p:nvSpPr>
         <p:spPr>
           <a:xfrm>
-            <a:off x="2337524" y="-30750"/>
-            <a:ext cx="356188" cy="461665"/>
+            <a:off x="3690223" y="2970127"/>
+            <a:ext cx="327334" cy="400110"/>
           </a:xfrm>
           <a:prstGeom prst="rect">
             <a:avLst/>
@@ -3029,7 +3090,7 @@
           <a:lstStyle/>
           <a:p>
             <a:r>
-              <a:rPr lang="en-GB" sz="2400" b="1" dirty="0">
+              <a:rPr lang="en-GB" sz="2000" b="1" dirty="0">
                 <a:latin typeface="Helvetica" pitchFamily="2" charset="0"/>
               </a:rPr>
               <a:t>a</a:t>
@@ -3051,8 +3112,8 @@
         </p:nvSpPr>
         <p:spPr>
           <a:xfrm>
-            <a:off x="2329509" y="3924567"/>
-            <a:ext cx="372218" cy="461665"/>
+            <a:off x="3690223" y="6831053"/>
+            <a:ext cx="372218" cy="400110"/>
           </a:xfrm>
           <a:prstGeom prst="rect">
             <a:avLst/>
@@ -3066,7 +3127,7 @@
           <a:lstStyle/>
           <a:p>
             <a:r>
-              <a:rPr lang="en-GB" sz="2400" b="1" dirty="0">
+              <a:rPr lang="en-GB" sz="2000" b="1" dirty="0">
                 <a:latin typeface="Helvetica" pitchFamily="2" charset="0"/>
               </a:rPr>
               <a:t>b</a:t>
@@ -3088,8 +3149,8 @@
         </p:nvSpPr>
         <p:spPr>
           <a:xfrm>
-            <a:off x="2402037" y="7879884"/>
-            <a:ext cx="356188" cy="461665"/>
+            <a:off x="3603427" y="10702228"/>
+            <a:ext cx="327334" cy="400110"/>
           </a:xfrm>
           <a:prstGeom prst="rect">
             <a:avLst/>
@@ -3103,7 +3164,7 @@
           <a:lstStyle/>
           <a:p>
             <a:r>
-              <a:rPr lang="en-GB" sz="2400" b="1" dirty="0">
+              <a:rPr lang="en-GB" sz="2000" b="1" dirty="0">
                 <a:latin typeface="Helvetica" pitchFamily="2" charset="0"/>
               </a:rPr>
               <a:t>c</a:t>
@@ -3111,64 +3172,6 @@
           </a:p>
         </p:txBody>
       </p:sp>
-      <p:pic>
-        <p:nvPicPr>
-          <p:cNvPr id="24" name="Picture 23">
-            <a:extLst>
-              <a:ext uri="{FF2B5EF4-FFF2-40B4-BE49-F238E27FC236}">
-                <a16:creationId xmlns:a16="http://schemas.microsoft.com/office/drawing/2014/main" id="{BCE2262A-30E3-6D4F-ACC0-4016450B2B6E}"/>
-              </a:ext>
-            </a:extLst>
-          </p:cNvPr>
-          <p:cNvPicPr>
-            <a:picLocks noChangeAspect="1"/>
-          </p:cNvPicPr>
-          <p:nvPr/>
-        </p:nvPicPr>
-        <p:blipFill rotWithShape="1">
-          <a:blip r:embed="rId3"/>
-          <a:srcRect l="5036" t="3411" r="4110" b="5426"/>
-          <a:stretch/>
-        </p:blipFill>
-        <p:spPr>
-          <a:xfrm>
-            <a:off x="2800515" y="0"/>
-            <a:ext cx="4057486" cy="4071334"/>
-          </a:xfrm>
-          <a:prstGeom prst="rect">
-            <a:avLst/>
-          </a:prstGeom>
-        </p:spPr>
-      </p:pic>
-      <p:pic>
-        <p:nvPicPr>
-          <p:cNvPr id="3" name="Picture 2">
-            <a:extLst>
-              <a:ext uri="{FF2B5EF4-FFF2-40B4-BE49-F238E27FC236}">
-                <a16:creationId xmlns:a16="http://schemas.microsoft.com/office/drawing/2014/main" id="{DBE71911-7963-9D25-B2C4-709042D2C5E1}"/>
-              </a:ext>
-            </a:extLst>
-          </p:cNvPr>
-          <p:cNvPicPr>
-            <a:picLocks noChangeAspect="1"/>
-          </p:cNvPicPr>
-          <p:nvPr/>
-        </p:nvPicPr>
-        <p:blipFill rotWithShape="1">
-          <a:blip r:embed="rId4"/>
-          <a:srcRect l="4921" t="5714" r="5238" b="6349"/>
-          <a:stretch/>
-        </p:blipFill>
-        <p:spPr>
-          <a:xfrm>
-            <a:off x="2935114" y="8036601"/>
-            <a:ext cx="3922885" cy="3839714"/>
-          </a:xfrm>
-          <a:prstGeom prst="rect">
-            <a:avLst/>
-          </a:prstGeom>
-        </p:spPr>
-      </p:pic>
     </p:spTree>
     <p:extLst>
       <p:ext uri="{BB962C8B-B14F-4D97-AF65-F5344CB8AC3E}">

--- a/plots/Fig4.pptx
+++ b/plots/Fig4.pptx
@@ -2,12 +2,12 @@
 <file path=ppt/presentation.xml><?xml version="1.0" encoding="utf-8"?>
 <p:presentation xmlns:a="http://schemas.openxmlformats.org/drawingml/2006/main" xmlns:r="http://schemas.openxmlformats.org/officeDocument/2006/relationships" xmlns:p="http://schemas.openxmlformats.org/presentationml/2006/main" saveSubsetFonts="1" autoCompressPictures="0">
   <p:sldMasterIdLst>
-    <p:sldMasterId id="2147483660" r:id="rId1"/>
+    <p:sldMasterId id="2147483672" r:id="rId1"/>
   </p:sldMasterIdLst>
   <p:sldIdLst>
     <p:sldId id="256" r:id="rId2"/>
   </p:sldIdLst>
-  <p:sldSz cx="6858000" cy="12192000"/>
+  <p:sldSz cx="12192000" cy="6858000"/>
   <p:notesSz cx="6858000" cy="9144000"/>
   <p:defaultTextStyle>
     <a:defPPr>
@@ -141,15 +141,15 @@
         </p:nvSpPr>
         <p:spPr>
           <a:xfrm>
-            <a:off x="514350" y="1995312"/>
-            <a:ext cx="5829300" cy="4244622"/>
+            <a:off x="1524000" y="1122363"/>
+            <a:ext cx="9144000" cy="2387600"/>
           </a:xfrm>
         </p:spPr>
         <p:txBody>
           <a:bodyPr anchor="b"/>
           <a:lstStyle>
             <a:lvl1pPr algn="ctr">
-              <a:defRPr sz="4500"/>
+              <a:defRPr sz="6000"/>
             </a:lvl1pPr>
           </a:lstStyle>
           <a:p>
@@ -173,8 +173,8 @@
         </p:nvSpPr>
         <p:spPr>
           <a:xfrm>
-            <a:off x="857250" y="6403623"/>
-            <a:ext cx="5143500" cy="2943577"/>
+            <a:off x="1524000" y="3602038"/>
+            <a:ext cx="9144000" cy="1655762"/>
           </a:xfrm>
         </p:spPr>
         <p:txBody>
@@ -182,39 +182,39 @@
           <a:lstStyle>
             <a:lvl1pPr marL="0" indent="0" algn="ctr">
               <a:buNone/>
+              <a:defRPr sz="2400"/>
+            </a:lvl1pPr>
+            <a:lvl2pPr marL="457200" indent="0" algn="ctr">
+              <a:buNone/>
+              <a:defRPr sz="2000"/>
+            </a:lvl2pPr>
+            <a:lvl3pPr marL="914400" indent="0" algn="ctr">
+              <a:buNone/>
               <a:defRPr sz="1800"/>
-            </a:lvl1pPr>
-            <a:lvl2pPr marL="342900" indent="0" algn="ctr">
-              <a:buNone/>
-              <a:defRPr sz="1500"/>
-            </a:lvl2pPr>
-            <a:lvl3pPr marL="685800" indent="0" algn="ctr">
-              <a:buNone/>
-              <a:defRPr sz="1350"/>
             </a:lvl3pPr>
-            <a:lvl4pPr marL="1028700" indent="0" algn="ctr">
-              <a:buNone/>
-              <a:defRPr sz="1200"/>
+            <a:lvl4pPr marL="1371600" indent="0" algn="ctr">
+              <a:buNone/>
+              <a:defRPr sz="1600"/>
             </a:lvl4pPr>
-            <a:lvl5pPr marL="1371600" indent="0" algn="ctr">
-              <a:buNone/>
-              <a:defRPr sz="1200"/>
+            <a:lvl5pPr marL="1828800" indent="0" algn="ctr">
+              <a:buNone/>
+              <a:defRPr sz="1600"/>
             </a:lvl5pPr>
-            <a:lvl6pPr marL="1714500" indent="0" algn="ctr">
-              <a:buNone/>
-              <a:defRPr sz="1200"/>
+            <a:lvl6pPr marL="2286000" indent="0" algn="ctr">
+              <a:buNone/>
+              <a:defRPr sz="1600"/>
             </a:lvl6pPr>
-            <a:lvl7pPr marL="2057400" indent="0" algn="ctr">
-              <a:buNone/>
-              <a:defRPr sz="1200"/>
+            <a:lvl7pPr marL="2743200" indent="0" algn="ctr">
+              <a:buNone/>
+              <a:defRPr sz="1600"/>
             </a:lvl7pPr>
-            <a:lvl8pPr marL="2400300" indent="0" algn="ctr">
-              <a:buNone/>
-              <a:defRPr sz="1200"/>
+            <a:lvl8pPr marL="3200400" indent="0" algn="ctr">
+              <a:buNone/>
+              <a:defRPr sz="1600"/>
             </a:lvl8pPr>
-            <a:lvl9pPr marL="2743200" indent="0" algn="ctr">
-              <a:buNone/>
-              <a:defRPr sz="1200"/>
+            <a:lvl9pPr marL="3657600" indent="0" algn="ctr">
+              <a:buNone/>
+              <a:defRPr sz="1600"/>
             </a:lvl9pPr>
           </a:lstStyle>
           <a:p>
@@ -243,7 +243,7 @@
           <a:p>
             <a:fld id="{A8964ADD-0953-8940-9E96-FB0BF4E5F7EB}" type="datetimeFigureOut">
               <a:rPr lang="en-GB" smtClean="0"/>
-              <a:t>14/04/2022</a:t>
+              <a:t>05/12/2022</a:t>
             </a:fld>
             <a:endParaRPr lang="en-GB"/>
           </a:p>
@@ -294,7 +294,7 @@
     </p:spTree>
     <p:extLst>
       <p:ext uri="{BB962C8B-B14F-4D97-AF65-F5344CB8AC3E}">
-        <p14:creationId xmlns:p14="http://schemas.microsoft.com/office/powerpoint/2010/main" val="498734614"/>
+        <p14:creationId xmlns:p14="http://schemas.microsoft.com/office/powerpoint/2010/main" val="375595120"/>
       </p:ext>
     </p:extLst>
   </p:cSld>
@@ -413,7 +413,7 @@
           <a:p>
             <a:fld id="{A8964ADD-0953-8940-9E96-FB0BF4E5F7EB}" type="datetimeFigureOut">
               <a:rPr lang="en-GB" smtClean="0"/>
-              <a:t>14/04/2022</a:t>
+              <a:t>05/12/2022</a:t>
             </a:fld>
             <a:endParaRPr lang="en-GB"/>
           </a:p>
@@ -464,7 +464,7 @@
     </p:spTree>
     <p:extLst>
       <p:ext uri="{BB962C8B-B14F-4D97-AF65-F5344CB8AC3E}">
-        <p14:creationId xmlns:p14="http://schemas.microsoft.com/office/powerpoint/2010/main" val="295953268"/>
+        <p14:creationId xmlns:p14="http://schemas.microsoft.com/office/powerpoint/2010/main" val="1021950233"/>
       </p:ext>
     </p:extLst>
   </p:cSld>
@@ -503,8 +503,8 @@
         </p:nvSpPr>
         <p:spPr>
           <a:xfrm>
-            <a:off x="4907757" y="649111"/>
-            <a:ext cx="1478756" cy="10332156"/>
+            <a:off x="8724900" y="365125"/>
+            <a:ext cx="2628900" cy="5811838"/>
           </a:xfrm>
         </p:spPr>
         <p:txBody>
@@ -531,8 +531,8 @@
         </p:nvSpPr>
         <p:spPr>
           <a:xfrm>
-            <a:off x="471488" y="649111"/>
-            <a:ext cx="4350544" cy="10332156"/>
+            <a:off x="838200" y="365125"/>
+            <a:ext cx="7734300" cy="5811838"/>
           </a:xfrm>
         </p:spPr>
         <p:txBody>
@@ -593,7 +593,7 @@
           <a:p>
             <a:fld id="{A8964ADD-0953-8940-9E96-FB0BF4E5F7EB}" type="datetimeFigureOut">
               <a:rPr lang="en-GB" smtClean="0"/>
-              <a:t>14/04/2022</a:t>
+              <a:t>05/12/2022</a:t>
             </a:fld>
             <a:endParaRPr lang="en-GB"/>
           </a:p>
@@ -644,7 +644,7 @@
     </p:spTree>
     <p:extLst>
       <p:ext uri="{BB962C8B-B14F-4D97-AF65-F5344CB8AC3E}">
-        <p14:creationId xmlns:p14="http://schemas.microsoft.com/office/powerpoint/2010/main" val="2319408500"/>
+        <p14:creationId xmlns:p14="http://schemas.microsoft.com/office/powerpoint/2010/main" val="834298625"/>
       </p:ext>
     </p:extLst>
   </p:cSld>
@@ -763,7 +763,7 @@
           <a:p>
             <a:fld id="{A8964ADD-0953-8940-9E96-FB0BF4E5F7EB}" type="datetimeFigureOut">
               <a:rPr lang="en-GB" smtClean="0"/>
-              <a:t>14/04/2022</a:t>
+              <a:t>05/12/2022</a:t>
             </a:fld>
             <a:endParaRPr lang="en-GB"/>
           </a:p>
@@ -814,7 +814,7 @@
     </p:spTree>
     <p:extLst>
       <p:ext uri="{BB962C8B-B14F-4D97-AF65-F5344CB8AC3E}">
-        <p14:creationId xmlns:p14="http://schemas.microsoft.com/office/powerpoint/2010/main" val="4168203773"/>
+        <p14:creationId xmlns:p14="http://schemas.microsoft.com/office/powerpoint/2010/main" val="87734623"/>
       </p:ext>
     </p:extLst>
   </p:cSld>
@@ -853,15 +853,15 @@
         </p:nvSpPr>
         <p:spPr>
           <a:xfrm>
-            <a:off x="467916" y="3039537"/>
-            <a:ext cx="5915025" cy="5071532"/>
+            <a:off x="831850" y="1709738"/>
+            <a:ext cx="10515600" cy="2852737"/>
           </a:xfrm>
         </p:spPr>
         <p:txBody>
           <a:bodyPr anchor="b"/>
           <a:lstStyle>
             <a:lvl1pPr>
-              <a:defRPr sz="4500"/>
+              <a:defRPr sz="6000"/>
             </a:lvl1pPr>
           </a:lstStyle>
           <a:p>
@@ -885,8 +885,8 @@
         </p:nvSpPr>
         <p:spPr>
           <a:xfrm>
-            <a:off x="467916" y="8159048"/>
-            <a:ext cx="5915025" cy="2666999"/>
+            <a:off x="831850" y="4589463"/>
+            <a:ext cx="10515600" cy="1500187"/>
           </a:xfrm>
         </p:spPr>
         <p:txBody>
@@ -894,15 +894,17 @@
           <a:lstStyle>
             <a:lvl1pPr marL="0" indent="0">
               <a:buNone/>
-              <a:defRPr sz="1800">
+              <a:defRPr sz="2400">
                 <a:solidFill>
-                  <a:schemeClr val="tx1"/>
+                  <a:schemeClr val="tx1">
+                    <a:tint val="75000"/>
+                  </a:schemeClr>
                 </a:solidFill>
               </a:defRPr>
             </a:lvl1pPr>
-            <a:lvl2pPr marL="342900" indent="0">
-              <a:buNone/>
-              <a:defRPr sz="1500">
+            <a:lvl2pPr marL="457200" indent="0">
+              <a:buNone/>
+              <a:defRPr sz="2000">
                 <a:solidFill>
                   <a:schemeClr val="tx1">
                     <a:tint val="75000"/>
@@ -910,9 +912,9 @@
                 </a:solidFill>
               </a:defRPr>
             </a:lvl2pPr>
-            <a:lvl3pPr marL="685800" indent="0">
-              <a:buNone/>
-              <a:defRPr sz="1350">
+            <a:lvl3pPr marL="914400" indent="0">
+              <a:buNone/>
+              <a:defRPr sz="1800">
                 <a:solidFill>
                   <a:schemeClr val="tx1">
                     <a:tint val="75000"/>
@@ -920,9 +922,9 @@
                 </a:solidFill>
               </a:defRPr>
             </a:lvl3pPr>
-            <a:lvl4pPr marL="1028700" indent="0">
-              <a:buNone/>
-              <a:defRPr sz="1200">
+            <a:lvl4pPr marL="1371600" indent="0">
+              <a:buNone/>
+              <a:defRPr sz="1600">
                 <a:solidFill>
                   <a:schemeClr val="tx1">
                     <a:tint val="75000"/>
@@ -930,9 +932,9 @@
                 </a:solidFill>
               </a:defRPr>
             </a:lvl4pPr>
-            <a:lvl5pPr marL="1371600" indent="0">
-              <a:buNone/>
-              <a:defRPr sz="1200">
+            <a:lvl5pPr marL="1828800" indent="0">
+              <a:buNone/>
+              <a:defRPr sz="1600">
                 <a:solidFill>
                   <a:schemeClr val="tx1">
                     <a:tint val="75000"/>
@@ -940,9 +942,9 @@
                 </a:solidFill>
               </a:defRPr>
             </a:lvl5pPr>
-            <a:lvl6pPr marL="1714500" indent="0">
-              <a:buNone/>
-              <a:defRPr sz="1200">
+            <a:lvl6pPr marL="2286000" indent="0">
+              <a:buNone/>
+              <a:defRPr sz="1600">
                 <a:solidFill>
                   <a:schemeClr val="tx1">
                     <a:tint val="75000"/>
@@ -950,9 +952,9 @@
                 </a:solidFill>
               </a:defRPr>
             </a:lvl6pPr>
-            <a:lvl7pPr marL="2057400" indent="0">
-              <a:buNone/>
-              <a:defRPr sz="1200">
+            <a:lvl7pPr marL="2743200" indent="0">
+              <a:buNone/>
+              <a:defRPr sz="1600">
                 <a:solidFill>
                   <a:schemeClr val="tx1">
                     <a:tint val="75000"/>
@@ -960,9 +962,9 @@
                 </a:solidFill>
               </a:defRPr>
             </a:lvl7pPr>
-            <a:lvl8pPr marL="2400300" indent="0">
-              <a:buNone/>
-              <a:defRPr sz="1200">
+            <a:lvl8pPr marL="3200400" indent="0">
+              <a:buNone/>
+              <a:defRPr sz="1600">
                 <a:solidFill>
                   <a:schemeClr val="tx1">
                     <a:tint val="75000"/>
@@ -970,9 +972,9 @@
                 </a:solidFill>
               </a:defRPr>
             </a:lvl8pPr>
-            <a:lvl9pPr marL="2743200" indent="0">
-              <a:buNone/>
-              <a:defRPr sz="1200">
+            <a:lvl9pPr marL="3657600" indent="0">
+              <a:buNone/>
+              <a:defRPr sz="1600">
                 <a:solidFill>
                   <a:schemeClr val="tx1">
                     <a:tint val="75000"/>
@@ -1007,7 +1009,7 @@
           <a:p>
             <a:fld id="{A8964ADD-0953-8940-9E96-FB0BF4E5F7EB}" type="datetimeFigureOut">
               <a:rPr lang="en-GB" smtClean="0"/>
-              <a:t>14/04/2022</a:t>
+              <a:t>05/12/2022</a:t>
             </a:fld>
             <a:endParaRPr lang="en-GB"/>
           </a:p>
@@ -1058,7 +1060,7 @@
     </p:spTree>
     <p:extLst>
       <p:ext uri="{BB962C8B-B14F-4D97-AF65-F5344CB8AC3E}">
-        <p14:creationId xmlns:p14="http://schemas.microsoft.com/office/powerpoint/2010/main" val="360889180"/>
+        <p14:creationId xmlns:p14="http://schemas.microsoft.com/office/powerpoint/2010/main" val="556227676"/>
       </p:ext>
     </p:extLst>
   </p:cSld>
@@ -1120,8 +1122,8 @@
         </p:nvSpPr>
         <p:spPr>
           <a:xfrm>
-            <a:off x="471488" y="3245556"/>
-            <a:ext cx="2914650" cy="7735712"/>
+            <a:off x="838200" y="1825625"/>
+            <a:ext cx="5181600" cy="4351338"/>
           </a:xfrm>
         </p:spPr>
         <p:txBody>
@@ -1177,8 +1179,8 @@
         </p:nvSpPr>
         <p:spPr>
           <a:xfrm>
-            <a:off x="3471863" y="3245556"/>
-            <a:ext cx="2914650" cy="7735712"/>
+            <a:off x="6172200" y="1825625"/>
+            <a:ext cx="5181600" cy="4351338"/>
           </a:xfrm>
         </p:spPr>
         <p:txBody>
@@ -1239,7 +1241,7 @@
           <a:p>
             <a:fld id="{A8964ADD-0953-8940-9E96-FB0BF4E5F7EB}" type="datetimeFigureOut">
               <a:rPr lang="en-GB" smtClean="0"/>
-              <a:t>14/04/2022</a:t>
+              <a:t>05/12/2022</a:t>
             </a:fld>
             <a:endParaRPr lang="en-GB"/>
           </a:p>
@@ -1290,7 +1292,7 @@
     </p:spTree>
     <p:extLst>
       <p:ext uri="{BB962C8B-B14F-4D97-AF65-F5344CB8AC3E}">
-        <p14:creationId xmlns:p14="http://schemas.microsoft.com/office/powerpoint/2010/main" val="63663753"/>
+        <p14:creationId xmlns:p14="http://schemas.microsoft.com/office/powerpoint/2010/main" val="4017133808"/>
       </p:ext>
     </p:extLst>
   </p:cSld>
@@ -1329,8 +1331,8 @@
         </p:nvSpPr>
         <p:spPr>
           <a:xfrm>
-            <a:off x="472381" y="649114"/>
-            <a:ext cx="5915025" cy="2356556"/>
+            <a:off x="839788" y="365125"/>
+            <a:ext cx="10515600" cy="1325563"/>
           </a:xfrm>
         </p:spPr>
         <p:txBody>
@@ -1357,8 +1359,8 @@
         </p:nvSpPr>
         <p:spPr>
           <a:xfrm>
-            <a:off x="472381" y="2988734"/>
-            <a:ext cx="2901255" cy="1464732"/>
+            <a:off x="839788" y="1681163"/>
+            <a:ext cx="5157787" cy="823912"/>
           </a:xfrm>
         </p:spPr>
         <p:txBody>
@@ -1366,39 +1368,39 @@
           <a:lstStyle>
             <a:lvl1pPr marL="0" indent="0">
               <a:buNone/>
+              <a:defRPr sz="2400" b="1"/>
+            </a:lvl1pPr>
+            <a:lvl2pPr marL="457200" indent="0">
+              <a:buNone/>
+              <a:defRPr sz="2000" b="1"/>
+            </a:lvl2pPr>
+            <a:lvl3pPr marL="914400" indent="0">
+              <a:buNone/>
               <a:defRPr sz="1800" b="1"/>
-            </a:lvl1pPr>
-            <a:lvl2pPr marL="342900" indent="0">
-              <a:buNone/>
-              <a:defRPr sz="1500" b="1"/>
-            </a:lvl2pPr>
-            <a:lvl3pPr marL="685800" indent="0">
-              <a:buNone/>
-              <a:defRPr sz="1350" b="1"/>
             </a:lvl3pPr>
-            <a:lvl4pPr marL="1028700" indent="0">
-              <a:buNone/>
-              <a:defRPr sz="1200" b="1"/>
+            <a:lvl4pPr marL="1371600" indent="0">
+              <a:buNone/>
+              <a:defRPr sz="1600" b="1"/>
             </a:lvl4pPr>
-            <a:lvl5pPr marL="1371600" indent="0">
-              <a:buNone/>
-              <a:defRPr sz="1200" b="1"/>
+            <a:lvl5pPr marL="1828800" indent="0">
+              <a:buNone/>
+              <a:defRPr sz="1600" b="1"/>
             </a:lvl5pPr>
-            <a:lvl6pPr marL="1714500" indent="0">
-              <a:buNone/>
-              <a:defRPr sz="1200" b="1"/>
+            <a:lvl6pPr marL="2286000" indent="0">
+              <a:buNone/>
+              <a:defRPr sz="1600" b="1"/>
             </a:lvl6pPr>
-            <a:lvl7pPr marL="2057400" indent="0">
-              <a:buNone/>
-              <a:defRPr sz="1200" b="1"/>
+            <a:lvl7pPr marL="2743200" indent="0">
+              <a:buNone/>
+              <a:defRPr sz="1600" b="1"/>
             </a:lvl7pPr>
-            <a:lvl8pPr marL="2400300" indent="0">
-              <a:buNone/>
-              <a:defRPr sz="1200" b="1"/>
+            <a:lvl8pPr marL="3200400" indent="0">
+              <a:buNone/>
+              <a:defRPr sz="1600" b="1"/>
             </a:lvl8pPr>
-            <a:lvl9pPr marL="2743200" indent="0">
-              <a:buNone/>
-              <a:defRPr sz="1200" b="1"/>
+            <a:lvl9pPr marL="3657600" indent="0">
+              <a:buNone/>
+              <a:defRPr sz="1600" b="1"/>
             </a:lvl9pPr>
           </a:lstStyle>
           <a:p>
@@ -1422,8 +1424,8 @@
         </p:nvSpPr>
         <p:spPr>
           <a:xfrm>
-            <a:off x="472381" y="4453467"/>
-            <a:ext cx="2901255" cy="6550379"/>
+            <a:off x="839788" y="2505075"/>
+            <a:ext cx="5157787" cy="3684588"/>
           </a:xfrm>
         </p:spPr>
         <p:txBody>
@@ -1479,8 +1481,8 @@
         </p:nvSpPr>
         <p:spPr>
           <a:xfrm>
-            <a:off x="3471863" y="2988734"/>
-            <a:ext cx="2915543" cy="1464732"/>
+            <a:off x="6172200" y="1681163"/>
+            <a:ext cx="5183188" cy="823912"/>
           </a:xfrm>
         </p:spPr>
         <p:txBody>
@@ -1488,39 +1490,39 @@
           <a:lstStyle>
             <a:lvl1pPr marL="0" indent="0">
               <a:buNone/>
+              <a:defRPr sz="2400" b="1"/>
+            </a:lvl1pPr>
+            <a:lvl2pPr marL="457200" indent="0">
+              <a:buNone/>
+              <a:defRPr sz="2000" b="1"/>
+            </a:lvl2pPr>
+            <a:lvl3pPr marL="914400" indent="0">
+              <a:buNone/>
               <a:defRPr sz="1800" b="1"/>
-            </a:lvl1pPr>
-            <a:lvl2pPr marL="342900" indent="0">
-              <a:buNone/>
-              <a:defRPr sz="1500" b="1"/>
-            </a:lvl2pPr>
-            <a:lvl3pPr marL="685800" indent="0">
-              <a:buNone/>
-              <a:defRPr sz="1350" b="1"/>
             </a:lvl3pPr>
-            <a:lvl4pPr marL="1028700" indent="0">
-              <a:buNone/>
-              <a:defRPr sz="1200" b="1"/>
+            <a:lvl4pPr marL="1371600" indent="0">
+              <a:buNone/>
+              <a:defRPr sz="1600" b="1"/>
             </a:lvl4pPr>
-            <a:lvl5pPr marL="1371600" indent="0">
-              <a:buNone/>
-              <a:defRPr sz="1200" b="1"/>
+            <a:lvl5pPr marL="1828800" indent="0">
+              <a:buNone/>
+              <a:defRPr sz="1600" b="1"/>
             </a:lvl5pPr>
-            <a:lvl6pPr marL="1714500" indent="0">
-              <a:buNone/>
-              <a:defRPr sz="1200" b="1"/>
+            <a:lvl6pPr marL="2286000" indent="0">
+              <a:buNone/>
+              <a:defRPr sz="1600" b="1"/>
             </a:lvl6pPr>
-            <a:lvl7pPr marL="2057400" indent="0">
-              <a:buNone/>
-              <a:defRPr sz="1200" b="1"/>
+            <a:lvl7pPr marL="2743200" indent="0">
+              <a:buNone/>
+              <a:defRPr sz="1600" b="1"/>
             </a:lvl7pPr>
-            <a:lvl8pPr marL="2400300" indent="0">
-              <a:buNone/>
-              <a:defRPr sz="1200" b="1"/>
+            <a:lvl8pPr marL="3200400" indent="0">
+              <a:buNone/>
+              <a:defRPr sz="1600" b="1"/>
             </a:lvl8pPr>
-            <a:lvl9pPr marL="2743200" indent="0">
-              <a:buNone/>
-              <a:defRPr sz="1200" b="1"/>
+            <a:lvl9pPr marL="3657600" indent="0">
+              <a:buNone/>
+              <a:defRPr sz="1600" b="1"/>
             </a:lvl9pPr>
           </a:lstStyle>
           <a:p>
@@ -1544,8 +1546,8 @@
         </p:nvSpPr>
         <p:spPr>
           <a:xfrm>
-            <a:off x="3471863" y="4453467"/>
-            <a:ext cx="2915543" cy="6550379"/>
+            <a:off x="6172200" y="2505075"/>
+            <a:ext cx="5183188" cy="3684588"/>
           </a:xfrm>
         </p:spPr>
         <p:txBody>
@@ -1606,7 +1608,7 @@
           <a:p>
             <a:fld id="{A8964ADD-0953-8940-9E96-FB0BF4E5F7EB}" type="datetimeFigureOut">
               <a:rPr lang="en-GB" smtClean="0"/>
-              <a:t>14/04/2022</a:t>
+              <a:t>05/12/2022</a:t>
             </a:fld>
             <a:endParaRPr lang="en-GB"/>
           </a:p>
@@ -1657,7 +1659,7 @@
     </p:spTree>
     <p:extLst>
       <p:ext uri="{BB962C8B-B14F-4D97-AF65-F5344CB8AC3E}">
-        <p14:creationId xmlns:p14="http://schemas.microsoft.com/office/powerpoint/2010/main" val="504943351"/>
+        <p14:creationId xmlns:p14="http://schemas.microsoft.com/office/powerpoint/2010/main" val="2292037951"/>
       </p:ext>
     </p:extLst>
   </p:cSld>
@@ -1724,7 +1726,7 @@
           <a:p>
             <a:fld id="{A8964ADD-0953-8940-9E96-FB0BF4E5F7EB}" type="datetimeFigureOut">
               <a:rPr lang="en-GB" smtClean="0"/>
-              <a:t>14/04/2022</a:t>
+              <a:t>05/12/2022</a:t>
             </a:fld>
             <a:endParaRPr lang="en-GB"/>
           </a:p>
@@ -1775,7 +1777,7 @@
     </p:spTree>
     <p:extLst>
       <p:ext uri="{BB962C8B-B14F-4D97-AF65-F5344CB8AC3E}">
-        <p14:creationId xmlns:p14="http://schemas.microsoft.com/office/powerpoint/2010/main" val="1740552528"/>
+        <p14:creationId xmlns:p14="http://schemas.microsoft.com/office/powerpoint/2010/main" val="222319111"/>
       </p:ext>
     </p:extLst>
   </p:cSld>
@@ -1819,7 +1821,7 @@
           <a:p>
             <a:fld id="{A8964ADD-0953-8940-9E96-FB0BF4E5F7EB}" type="datetimeFigureOut">
               <a:rPr lang="en-GB" smtClean="0"/>
-              <a:t>14/04/2022</a:t>
+              <a:t>05/12/2022</a:t>
             </a:fld>
             <a:endParaRPr lang="en-GB"/>
           </a:p>
@@ -1870,7 +1872,7 @@
     </p:spTree>
     <p:extLst>
       <p:ext uri="{BB962C8B-B14F-4D97-AF65-F5344CB8AC3E}">
-        <p14:creationId xmlns:p14="http://schemas.microsoft.com/office/powerpoint/2010/main" val="4058130480"/>
+        <p14:creationId xmlns:p14="http://schemas.microsoft.com/office/powerpoint/2010/main" val="2491497270"/>
       </p:ext>
     </p:extLst>
   </p:cSld>
@@ -1909,15 +1911,15 @@
         </p:nvSpPr>
         <p:spPr>
           <a:xfrm>
-            <a:off x="472381" y="812800"/>
-            <a:ext cx="2211884" cy="2844800"/>
+            <a:off x="839788" y="457200"/>
+            <a:ext cx="3932237" cy="1600200"/>
           </a:xfrm>
         </p:spPr>
         <p:txBody>
           <a:bodyPr anchor="b"/>
           <a:lstStyle>
             <a:lvl1pPr>
-              <a:defRPr sz="2400"/>
+              <a:defRPr sz="3200"/>
             </a:lvl1pPr>
           </a:lstStyle>
           <a:p>
@@ -1941,39 +1943,39 @@
         </p:nvSpPr>
         <p:spPr>
           <a:xfrm>
-            <a:off x="2915543" y="1755425"/>
-            <a:ext cx="3471863" cy="8664222"/>
+            <a:off x="5183188" y="987425"/>
+            <a:ext cx="6172200" cy="4873625"/>
           </a:xfrm>
         </p:spPr>
         <p:txBody>
           <a:bodyPr/>
           <a:lstStyle>
             <a:lvl1pPr>
-              <a:defRPr sz="2400"/>
+              <a:defRPr sz="3200"/>
             </a:lvl1pPr>
             <a:lvl2pPr>
-              <a:defRPr sz="2100"/>
+              <a:defRPr sz="2800"/>
             </a:lvl2pPr>
             <a:lvl3pPr>
-              <a:defRPr sz="1800"/>
+              <a:defRPr sz="2400"/>
             </a:lvl3pPr>
             <a:lvl4pPr>
-              <a:defRPr sz="1500"/>
+              <a:defRPr sz="2000"/>
             </a:lvl4pPr>
             <a:lvl5pPr>
-              <a:defRPr sz="1500"/>
+              <a:defRPr sz="2000"/>
             </a:lvl5pPr>
             <a:lvl6pPr>
-              <a:defRPr sz="1500"/>
+              <a:defRPr sz="2000"/>
             </a:lvl6pPr>
             <a:lvl7pPr>
-              <a:defRPr sz="1500"/>
+              <a:defRPr sz="2000"/>
             </a:lvl7pPr>
             <a:lvl8pPr>
-              <a:defRPr sz="1500"/>
+              <a:defRPr sz="2000"/>
             </a:lvl8pPr>
             <a:lvl9pPr>
-              <a:defRPr sz="1500"/>
+              <a:defRPr sz="2000"/>
             </a:lvl9pPr>
           </a:lstStyle>
           <a:p>
@@ -2026,8 +2028,8 @@
         </p:nvSpPr>
         <p:spPr>
           <a:xfrm>
-            <a:off x="472381" y="3657600"/>
-            <a:ext cx="2211884" cy="6776156"/>
+            <a:off x="839788" y="2057400"/>
+            <a:ext cx="3932237" cy="3811588"/>
           </a:xfrm>
         </p:spPr>
         <p:txBody>
@@ -2035,39 +2037,39 @@
           <a:lstStyle>
             <a:lvl1pPr marL="0" indent="0">
               <a:buNone/>
+              <a:defRPr sz="1600"/>
+            </a:lvl1pPr>
+            <a:lvl2pPr marL="457200" indent="0">
+              <a:buNone/>
+              <a:defRPr sz="1400"/>
+            </a:lvl2pPr>
+            <a:lvl3pPr marL="914400" indent="0">
+              <a:buNone/>
               <a:defRPr sz="1200"/>
-            </a:lvl1pPr>
-            <a:lvl2pPr marL="342900" indent="0">
-              <a:buNone/>
-              <a:defRPr sz="1050"/>
-            </a:lvl2pPr>
-            <a:lvl3pPr marL="685800" indent="0">
-              <a:buNone/>
-              <a:defRPr sz="900"/>
             </a:lvl3pPr>
-            <a:lvl4pPr marL="1028700" indent="0">
-              <a:buNone/>
-              <a:defRPr sz="750"/>
+            <a:lvl4pPr marL="1371600" indent="0">
+              <a:buNone/>
+              <a:defRPr sz="1000"/>
             </a:lvl4pPr>
-            <a:lvl5pPr marL="1371600" indent="0">
-              <a:buNone/>
-              <a:defRPr sz="750"/>
+            <a:lvl5pPr marL="1828800" indent="0">
+              <a:buNone/>
+              <a:defRPr sz="1000"/>
             </a:lvl5pPr>
-            <a:lvl6pPr marL="1714500" indent="0">
-              <a:buNone/>
-              <a:defRPr sz="750"/>
+            <a:lvl6pPr marL="2286000" indent="0">
+              <a:buNone/>
+              <a:defRPr sz="1000"/>
             </a:lvl6pPr>
-            <a:lvl7pPr marL="2057400" indent="0">
-              <a:buNone/>
-              <a:defRPr sz="750"/>
+            <a:lvl7pPr marL="2743200" indent="0">
+              <a:buNone/>
+              <a:defRPr sz="1000"/>
             </a:lvl7pPr>
-            <a:lvl8pPr marL="2400300" indent="0">
-              <a:buNone/>
-              <a:defRPr sz="750"/>
+            <a:lvl8pPr marL="3200400" indent="0">
+              <a:buNone/>
+              <a:defRPr sz="1000"/>
             </a:lvl8pPr>
-            <a:lvl9pPr marL="2743200" indent="0">
-              <a:buNone/>
-              <a:defRPr sz="750"/>
+            <a:lvl9pPr marL="3657600" indent="0">
+              <a:buNone/>
+              <a:defRPr sz="1000"/>
             </a:lvl9pPr>
           </a:lstStyle>
           <a:p>
@@ -2096,7 +2098,7 @@
           <a:p>
             <a:fld id="{A8964ADD-0953-8940-9E96-FB0BF4E5F7EB}" type="datetimeFigureOut">
               <a:rPr lang="en-GB" smtClean="0"/>
-              <a:t>14/04/2022</a:t>
+              <a:t>05/12/2022</a:t>
             </a:fld>
             <a:endParaRPr lang="en-GB"/>
           </a:p>
@@ -2147,7 +2149,7 @@
     </p:spTree>
     <p:extLst>
       <p:ext uri="{BB962C8B-B14F-4D97-AF65-F5344CB8AC3E}">
-        <p14:creationId xmlns:p14="http://schemas.microsoft.com/office/powerpoint/2010/main" val="902553607"/>
+        <p14:creationId xmlns:p14="http://schemas.microsoft.com/office/powerpoint/2010/main" val="626660786"/>
       </p:ext>
     </p:extLst>
   </p:cSld>
@@ -2186,15 +2188,15 @@
         </p:nvSpPr>
         <p:spPr>
           <a:xfrm>
-            <a:off x="472381" y="812800"/>
-            <a:ext cx="2211884" cy="2844800"/>
+            <a:off x="839788" y="457200"/>
+            <a:ext cx="3932237" cy="1600200"/>
           </a:xfrm>
         </p:spPr>
         <p:txBody>
           <a:bodyPr anchor="b"/>
           <a:lstStyle>
             <a:lvl1pPr>
-              <a:defRPr sz="2400"/>
+              <a:defRPr sz="3200"/>
             </a:lvl1pPr>
           </a:lstStyle>
           <a:p>
@@ -2218,8 +2220,8 @@
         </p:nvSpPr>
         <p:spPr>
           <a:xfrm>
-            <a:off x="2915543" y="1755425"/>
-            <a:ext cx="3471863" cy="8664222"/>
+            <a:off x="5183188" y="987425"/>
+            <a:ext cx="6172200" cy="4873625"/>
           </a:xfrm>
         </p:spPr>
         <p:txBody>
@@ -2227,39 +2229,39 @@
           <a:lstStyle>
             <a:lvl1pPr marL="0" indent="0">
               <a:buNone/>
+              <a:defRPr sz="3200"/>
+            </a:lvl1pPr>
+            <a:lvl2pPr marL="457200" indent="0">
+              <a:buNone/>
+              <a:defRPr sz="2800"/>
+            </a:lvl2pPr>
+            <a:lvl3pPr marL="914400" indent="0">
+              <a:buNone/>
               <a:defRPr sz="2400"/>
-            </a:lvl1pPr>
-            <a:lvl2pPr marL="342900" indent="0">
-              <a:buNone/>
-              <a:defRPr sz="2100"/>
-            </a:lvl2pPr>
-            <a:lvl3pPr marL="685800" indent="0">
-              <a:buNone/>
-              <a:defRPr sz="1800"/>
             </a:lvl3pPr>
-            <a:lvl4pPr marL="1028700" indent="0">
-              <a:buNone/>
-              <a:defRPr sz="1500"/>
+            <a:lvl4pPr marL="1371600" indent="0">
+              <a:buNone/>
+              <a:defRPr sz="2000"/>
             </a:lvl4pPr>
-            <a:lvl5pPr marL="1371600" indent="0">
-              <a:buNone/>
-              <a:defRPr sz="1500"/>
+            <a:lvl5pPr marL="1828800" indent="0">
+              <a:buNone/>
+              <a:defRPr sz="2000"/>
             </a:lvl5pPr>
-            <a:lvl6pPr marL="1714500" indent="0">
-              <a:buNone/>
-              <a:defRPr sz="1500"/>
+            <a:lvl6pPr marL="2286000" indent="0">
+              <a:buNone/>
+              <a:defRPr sz="2000"/>
             </a:lvl6pPr>
-            <a:lvl7pPr marL="2057400" indent="0">
-              <a:buNone/>
-              <a:defRPr sz="1500"/>
+            <a:lvl7pPr marL="2743200" indent="0">
+              <a:buNone/>
+              <a:defRPr sz="2000"/>
             </a:lvl7pPr>
-            <a:lvl8pPr marL="2400300" indent="0">
-              <a:buNone/>
-              <a:defRPr sz="1500"/>
+            <a:lvl8pPr marL="3200400" indent="0">
+              <a:buNone/>
+              <a:defRPr sz="2000"/>
             </a:lvl8pPr>
-            <a:lvl9pPr marL="2743200" indent="0">
-              <a:buNone/>
-              <a:defRPr sz="1500"/>
+            <a:lvl9pPr marL="3657600" indent="0">
+              <a:buNone/>
+              <a:defRPr sz="2000"/>
             </a:lvl9pPr>
           </a:lstStyle>
           <a:p>
@@ -2283,8 +2285,8 @@
         </p:nvSpPr>
         <p:spPr>
           <a:xfrm>
-            <a:off x="472381" y="3657600"/>
-            <a:ext cx="2211884" cy="6776156"/>
+            <a:off x="839788" y="2057400"/>
+            <a:ext cx="3932237" cy="3811588"/>
           </a:xfrm>
         </p:spPr>
         <p:txBody>
@@ -2292,39 +2294,39 @@
           <a:lstStyle>
             <a:lvl1pPr marL="0" indent="0">
               <a:buNone/>
+              <a:defRPr sz="1600"/>
+            </a:lvl1pPr>
+            <a:lvl2pPr marL="457200" indent="0">
+              <a:buNone/>
+              <a:defRPr sz="1400"/>
+            </a:lvl2pPr>
+            <a:lvl3pPr marL="914400" indent="0">
+              <a:buNone/>
               <a:defRPr sz="1200"/>
-            </a:lvl1pPr>
-            <a:lvl2pPr marL="342900" indent="0">
-              <a:buNone/>
-              <a:defRPr sz="1050"/>
-            </a:lvl2pPr>
-            <a:lvl3pPr marL="685800" indent="0">
-              <a:buNone/>
-              <a:defRPr sz="900"/>
             </a:lvl3pPr>
-            <a:lvl4pPr marL="1028700" indent="0">
-              <a:buNone/>
-              <a:defRPr sz="750"/>
+            <a:lvl4pPr marL="1371600" indent="0">
+              <a:buNone/>
+              <a:defRPr sz="1000"/>
             </a:lvl4pPr>
-            <a:lvl5pPr marL="1371600" indent="0">
-              <a:buNone/>
-              <a:defRPr sz="750"/>
+            <a:lvl5pPr marL="1828800" indent="0">
+              <a:buNone/>
+              <a:defRPr sz="1000"/>
             </a:lvl5pPr>
-            <a:lvl6pPr marL="1714500" indent="0">
-              <a:buNone/>
-              <a:defRPr sz="750"/>
+            <a:lvl6pPr marL="2286000" indent="0">
+              <a:buNone/>
+              <a:defRPr sz="1000"/>
             </a:lvl6pPr>
-            <a:lvl7pPr marL="2057400" indent="0">
-              <a:buNone/>
-              <a:defRPr sz="750"/>
+            <a:lvl7pPr marL="2743200" indent="0">
+              <a:buNone/>
+              <a:defRPr sz="1000"/>
             </a:lvl7pPr>
-            <a:lvl8pPr marL="2400300" indent="0">
-              <a:buNone/>
-              <a:defRPr sz="750"/>
+            <a:lvl8pPr marL="3200400" indent="0">
+              <a:buNone/>
+              <a:defRPr sz="1000"/>
             </a:lvl8pPr>
-            <a:lvl9pPr marL="2743200" indent="0">
-              <a:buNone/>
-              <a:defRPr sz="750"/>
+            <a:lvl9pPr marL="3657600" indent="0">
+              <a:buNone/>
+              <a:defRPr sz="1000"/>
             </a:lvl9pPr>
           </a:lstStyle>
           <a:p>
@@ -2353,7 +2355,7 @@
           <a:p>
             <a:fld id="{A8964ADD-0953-8940-9E96-FB0BF4E5F7EB}" type="datetimeFigureOut">
               <a:rPr lang="en-GB" smtClean="0"/>
-              <a:t>14/04/2022</a:t>
+              <a:t>05/12/2022</a:t>
             </a:fld>
             <a:endParaRPr lang="en-GB"/>
           </a:p>
@@ -2404,7 +2406,7 @@
     </p:spTree>
     <p:extLst>
       <p:ext uri="{BB962C8B-B14F-4D97-AF65-F5344CB8AC3E}">
-        <p14:creationId xmlns:p14="http://schemas.microsoft.com/office/powerpoint/2010/main" val="2616903146"/>
+        <p14:creationId xmlns:p14="http://schemas.microsoft.com/office/powerpoint/2010/main" val="3720179122"/>
       </p:ext>
     </p:extLst>
   </p:cSld>
@@ -2448,8 +2450,8 @@
         </p:nvSpPr>
         <p:spPr>
           <a:xfrm>
-            <a:off x="471488" y="649114"/>
-            <a:ext cx="5915025" cy="2356556"/>
+            <a:off x="838200" y="365125"/>
+            <a:ext cx="10515600" cy="1325563"/>
           </a:xfrm>
           <a:prstGeom prst="rect">
             <a:avLst/>
@@ -2481,8 +2483,8 @@
         </p:nvSpPr>
         <p:spPr>
           <a:xfrm>
-            <a:off x="471488" y="3245556"/>
-            <a:ext cx="5915025" cy="7735712"/>
+            <a:off x="838200" y="1825625"/>
+            <a:ext cx="10515600" cy="4351338"/>
           </a:xfrm>
           <a:prstGeom prst="rect">
             <a:avLst/>
@@ -2543,8 +2545,8 @@
         </p:nvSpPr>
         <p:spPr>
           <a:xfrm>
-            <a:off x="471488" y="11300181"/>
-            <a:ext cx="1543050" cy="649111"/>
+            <a:off x="838200" y="6356350"/>
+            <a:ext cx="2743200" cy="365125"/>
           </a:xfrm>
           <a:prstGeom prst="rect">
             <a:avLst/>
@@ -2554,7 +2556,7 @@
           <a:bodyPr vert="horz" lIns="91440" tIns="45720" rIns="91440" bIns="45720" rtlCol="0" anchor="ctr"/>
           <a:lstStyle>
             <a:lvl1pPr algn="l">
-              <a:defRPr sz="900">
+              <a:defRPr sz="1200">
                 <a:solidFill>
                   <a:schemeClr val="tx1">
                     <a:tint val="75000"/>
@@ -2566,7 +2568,7 @@
           <a:p>
             <a:fld id="{A8964ADD-0953-8940-9E96-FB0BF4E5F7EB}" type="datetimeFigureOut">
               <a:rPr lang="en-GB" smtClean="0"/>
-              <a:t>14/04/2022</a:t>
+              <a:t>05/12/2022</a:t>
             </a:fld>
             <a:endParaRPr lang="en-GB"/>
           </a:p>
@@ -2584,8 +2586,8 @@
         </p:nvSpPr>
         <p:spPr>
           <a:xfrm>
-            <a:off x="2271713" y="11300181"/>
-            <a:ext cx="2314575" cy="649111"/>
+            <a:off x="4038600" y="6356350"/>
+            <a:ext cx="4114800" cy="365125"/>
           </a:xfrm>
           <a:prstGeom prst="rect">
             <a:avLst/>
@@ -2595,7 +2597,7 @@
           <a:bodyPr vert="horz" lIns="91440" tIns="45720" rIns="91440" bIns="45720" rtlCol="0" anchor="ctr"/>
           <a:lstStyle>
             <a:lvl1pPr algn="ctr">
-              <a:defRPr sz="900">
+              <a:defRPr sz="1200">
                 <a:solidFill>
                   <a:schemeClr val="tx1">
                     <a:tint val="75000"/>
@@ -2621,8 +2623,8 @@
         </p:nvSpPr>
         <p:spPr>
           <a:xfrm>
-            <a:off x="4843463" y="11300181"/>
-            <a:ext cx="1543050" cy="649111"/>
+            <a:off x="8610600" y="6356350"/>
+            <a:ext cx="2743200" cy="365125"/>
           </a:xfrm>
           <a:prstGeom prst="rect">
             <a:avLst/>
@@ -2632,7 +2634,7 @@
           <a:bodyPr vert="horz" lIns="91440" tIns="45720" rIns="91440" bIns="45720" rtlCol="0" anchor="ctr"/>
           <a:lstStyle>
             <a:lvl1pPr algn="r">
-              <a:defRPr sz="900">
+              <a:defRPr sz="1200">
                 <a:solidFill>
                   <a:schemeClr val="tx1">
                     <a:tint val="75000"/>
@@ -2653,27 +2655,27 @@
     </p:spTree>
     <p:extLst>
       <p:ext uri="{BB962C8B-B14F-4D97-AF65-F5344CB8AC3E}">
-        <p14:creationId xmlns:p14="http://schemas.microsoft.com/office/powerpoint/2010/main" val="1969707913"/>
+        <p14:creationId xmlns:p14="http://schemas.microsoft.com/office/powerpoint/2010/main" val="2631341951"/>
       </p:ext>
     </p:extLst>
   </p:cSld>
   <p:clrMap bg1="lt1" tx1="dk1" bg2="lt2" tx2="dk2" accent1="accent1" accent2="accent2" accent3="accent3" accent4="accent4" accent5="accent5" accent6="accent6" hlink="hlink" folHlink="folHlink"/>
   <p:sldLayoutIdLst>
-    <p:sldLayoutId id="2147483661" r:id="rId1"/>
-    <p:sldLayoutId id="2147483662" r:id="rId2"/>
-    <p:sldLayoutId id="2147483663" r:id="rId3"/>
-    <p:sldLayoutId id="2147483664" r:id="rId4"/>
-    <p:sldLayoutId id="2147483665" r:id="rId5"/>
-    <p:sldLayoutId id="2147483666" r:id="rId6"/>
-    <p:sldLayoutId id="2147483667" r:id="rId7"/>
-    <p:sldLayoutId id="2147483668" r:id="rId8"/>
-    <p:sldLayoutId id="2147483669" r:id="rId9"/>
-    <p:sldLayoutId id="2147483670" r:id="rId10"/>
-    <p:sldLayoutId id="2147483671" r:id="rId11"/>
+    <p:sldLayoutId id="2147483673" r:id="rId1"/>
+    <p:sldLayoutId id="2147483674" r:id="rId2"/>
+    <p:sldLayoutId id="2147483675" r:id="rId3"/>
+    <p:sldLayoutId id="2147483676" r:id="rId4"/>
+    <p:sldLayoutId id="2147483677" r:id="rId5"/>
+    <p:sldLayoutId id="2147483678" r:id="rId6"/>
+    <p:sldLayoutId id="2147483679" r:id="rId7"/>
+    <p:sldLayoutId id="2147483680" r:id="rId8"/>
+    <p:sldLayoutId id="2147483681" r:id="rId9"/>
+    <p:sldLayoutId id="2147483682" r:id="rId10"/>
+    <p:sldLayoutId id="2147483683" r:id="rId11"/>
   </p:sldLayoutIdLst>
   <p:txStyles>
     <p:titleStyle>
-      <a:lvl1pPr algn="l" defTabSz="685800" rtl="0" eaLnBrk="1" latinLnBrk="0" hangingPunct="1">
+      <a:lvl1pPr algn="l" defTabSz="914400" rtl="0" eaLnBrk="1" latinLnBrk="0" hangingPunct="1">
         <a:lnSpc>
           <a:spcPct val="90000"/>
         </a:lnSpc>
@@ -2681,7 +2683,7 @@
           <a:spcPct val="0"/>
         </a:spcBef>
         <a:buNone/>
-        <a:defRPr sz="3300" kern="1200">
+        <a:defRPr sz="4400" kern="1200">
           <a:solidFill>
             <a:schemeClr val="tx1"/>
           </a:solidFill>
@@ -2692,16 +2694,16 @@
       </a:lvl1pPr>
     </p:titleStyle>
     <p:bodyStyle>
-      <a:lvl1pPr marL="171450" indent="-171450" algn="l" defTabSz="685800" rtl="0" eaLnBrk="1" latinLnBrk="0" hangingPunct="1">
+      <a:lvl1pPr marL="228600" indent="-228600" algn="l" defTabSz="914400" rtl="0" eaLnBrk="1" latinLnBrk="0" hangingPunct="1">
         <a:lnSpc>
           <a:spcPct val="90000"/>
         </a:lnSpc>
         <a:spcBef>
-          <a:spcPts val="750"/>
+          <a:spcPts val="1000"/>
         </a:spcBef>
         <a:buFont typeface="Arial" panose="020B0604020202020204" pitchFamily="34" charset="0"/>
         <a:buChar char="•"/>
-        <a:defRPr sz="2100" kern="1200">
+        <a:defRPr sz="2800" kern="1200">
           <a:solidFill>
             <a:schemeClr val="tx1"/>
           </a:solidFill>
@@ -2710,12 +2712,48 @@
           <a:cs typeface="+mn-cs"/>
         </a:defRPr>
       </a:lvl1pPr>
-      <a:lvl2pPr marL="514350" indent="-171450" algn="l" defTabSz="685800" rtl="0" eaLnBrk="1" latinLnBrk="0" hangingPunct="1">
+      <a:lvl2pPr marL="685800" indent="-228600" algn="l" defTabSz="914400" rtl="0" eaLnBrk="1" latinLnBrk="0" hangingPunct="1">
         <a:lnSpc>
           <a:spcPct val="90000"/>
         </a:lnSpc>
         <a:spcBef>
-          <a:spcPts val="375"/>
+          <a:spcPts val="500"/>
+        </a:spcBef>
+        <a:buFont typeface="Arial" panose="020B0604020202020204" pitchFamily="34" charset="0"/>
+        <a:buChar char="•"/>
+        <a:defRPr sz="2400" kern="1200">
+          <a:solidFill>
+            <a:schemeClr val="tx1"/>
+          </a:solidFill>
+          <a:latin typeface="+mn-lt"/>
+          <a:ea typeface="+mn-ea"/>
+          <a:cs typeface="+mn-cs"/>
+        </a:defRPr>
+      </a:lvl2pPr>
+      <a:lvl3pPr marL="1143000" indent="-228600" algn="l" defTabSz="914400" rtl="0" eaLnBrk="1" latinLnBrk="0" hangingPunct="1">
+        <a:lnSpc>
+          <a:spcPct val="90000"/>
+        </a:lnSpc>
+        <a:spcBef>
+          <a:spcPts val="500"/>
+        </a:spcBef>
+        <a:buFont typeface="Arial" panose="020B0604020202020204" pitchFamily="34" charset="0"/>
+        <a:buChar char="•"/>
+        <a:defRPr sz="2000" kern="1200">
+          <a:solidFill>
+            <a:schemeClr val="tx1"/>
+          </a:solidFill>
+          <a:latin typeface="+mn-lt"/>
+          <a:ea typeface="+mn-ea"/>
+          <a:cs typeface="+mn-cs"/>
+        </a:defRPr>
+      </a:lvl3pPr>
+      <a:lvl4pPr marL="1600200" indent="-228600" algn="l" defTabSz="914400" rtl="0" eaLnBrk="1" latinLnBrk="0" hangingPunct="1">
+        <a:lnSpc>
+          <a:spcPct val="90000"/>
+        </a:lnSpc>
+        <a:spcBef>
+          <a:spcPts val="500"/>
         </a:spcBef>
         <a:buFont typeface="Arial" panose="020B0604020202020204" pitchFamily="34" charset="0"/>
         <a:buChar char="•"/>
@@ -2727,53 +2765,17 @@
           <a:ea typeface="+mn-ea"/>
           <a:cs typeface="+mn-cs"/>
         </a:defRPr>
-      </a:lvl2pPr>
-      <a:lvl3pPr marL="857250" indent="-171450" algn="l" defTabSz="685800" rtl="0" eaLnBrk="1" latinLnBrk="0" hangingPunct="1">
+      </a:lvl4pPr>
+      <a:lvl5pPr marL="2057400" indent="-228600" algn="l" defTabSz="914400" rtl="0" eaLnBrk="1" latinLnBrk="0" hangingPunct="1">
         <a:lnSpc>
           <a:spcPct val="90000"/>
         </a:lnSpc>
         <a:spcBef>
-          <a:spcPts val="375"/>
+          <a:spcPts val="500"/>
         </a:spcBef>
         <a:buFont typeface="Arial" panose="020B0604020202020204" pitchFamily="34" charset="0"/>
         <a:buChar char="•"/>
-        <a:defRPr sz="1500" kern="1200">
-          <a:solidFill>
-            <a:schemeClr val="tx1"/>
-          </a:solidFill>
-          <a:latin typeface="+mn-lt"/>
-          <a:ea typeface="+mn-ea"/>
-          <a:cs typeface="+mn-cs"/>
-        </a:defRPr>
-      </a:lvl3pPr>
-      <a:lvl4pPr marL="1200150" indent="-171450" algn="l" defTabSz="685800" rtl="0" eaLnBrk="1" latinLnBrk="0" hangingPunct="1">
-        <a:lnSpc>
-          <a:spcPct val="90000"/>
-        </a:lnSpc>
-        <a:spcBef>
-          <a:spcPts val="375"/>
-        </a:spcBef>
-        <a:buFont typeface="Arial" panose="020B0604020202020204" pitchFamily="34" charset="0"/>
-        <a:buChar char="•"/>
-        <a:defRPr sz="1350" kern="1200">
-          <a:solidFill>
-            <a:schemeClr val="tx1"/>
-          </a:solidFill>
-          <a:latin typeface="+mn-lt"/>
-          <a:ea typeface="+mn-ea"/>
-          <a:cs typeface="+mn-cs"/>
-        </a:defRPr>
-      </a:lvl4pPr>
-      <a:lvl5pPr marL="1543050" indent="-171450" algn="l" defTabSz="685800" rtl="0" eaLnBrk="1" latinLnBrk="0" hangingPunct="1">
-        <a:lnSpc>
-          <a:spcPct val="90000"/>
-        </a:lnSpc>
-        <a:spcBef>
-          <a:spcPts val="375"/>
-        </a:spcBef>
-        <a:buFont typeface="Arial" panose="020B0604020202020204" pitchFamily="34" charset="0"/>
-        <a:buChar char="•"/>
-        <a:defRPr sz="1350" kern="1200">
+        <a:defRPr sz="1800" kern="1200">
           <a:solidFill>
             <a:schemeClr val="tx1"/>
           </a:solidFill>
@@ -2782,16 +2784,16 @@
           <a:cs typeface="+mn-cs"/>
         </a:defRPr>
       </a:lvl5pPr>
-      <a:lvl6pPr marL="1885950" indent="-171450" algn="l" defTabSz="685800" rtl="0" eaLnBrk="1" latinLnBrk="0" hangingPunct="1">
+      <a:lvl6pPr marL="2514600" indent="-228600" algn="l" defTabSz="914400" rtl="0" eaLnBrk="1" latinLnBrk="0" hangingPunct="1">
         <a:lnSpc>
           <a:spcPct val="90000"/>
         </a:lnSpc>
         <a:spcBef>
-          <a:spcPts val="375"/>
+          <a:spcPts val="500"/>
         </a:spcBef>
         <a:buFont typeface="Arial" panose="020B0604020202020204" pitchFamily="34" charset="0"/>
         <a:buChar char="•"/>
-        <a:defRPr sz="1350" kern="1200">
+        <a:defRPr sz="1800" kern="1200">
           <a:solidFill>
             <a:schemeClr val="tx1"/>
           </a:solidFill>
@@ -2800,16 +2802,16 @@
           <a:cs typeface="+mn-cs"/>
         </a:defRPr>
       </a:lvl6pPr>
-      <a:lvl7pPr marL="2228850" indent="-171450" algn="l" defTabSz="685800" rtl="0" eaLnBrk="1" latinLnBrk="0" hangingPunct="1">
+      <a:lvl7pPr marL="2971800" indent="-228600" algn="l" defTabSz="914400" rtl="0" eaLnBrk="1" latinLnBrk="0" hangingPunct="1">
         <a:lnSpc>
           <a:spcPct val="90000"/>
         </a:lnSpc>
         <a:spcBef>
-          <a:spcPts val="375"/>
+          <a:spcPts val="500"/>
         </a:spcBef>
         <a:buFont typeface="Arial" panose="020B0604020202020204" pitchFamily="34" charset="0"/>
         <a:buChar char="•"/>
-        <a:defRPr sz="1350" kern="1200">
+        <a:defRPr sz="1800" kern="1200">
           <a:solidFill>
             <a:schemeClr val="tx1"/>
           </a:solidFill>
@@ -2818,16 +2820,16 @@
           <a:cs typeface="+mn-cs"/>
         </a:defRPr>
       </a:lvl7pPr>
-      <a:lvl8pPr marL="2571750" indent="-171450" algn="l" defTabSz="685800" rtl="0" eaLnBrk="1" latinLnBrk="0" hangingPunct="1">
+      <a:lvl8pPr marL="3429000" indent="-228600" algn="l" defTabSz="914400" rtl="0" eaLnBrk="1" latinLnBrk="0" hangingPunct="1">
         <a:lnSpc>
           <a:spcPct val="90000"/>
         </a:lnSpc>
         <a:spcBef>
-          <a:spcPts val="375"/>
+          <a:spcPts val="500"/>
         </a:spcBef>
         <a:buFont typeface="Arial" panose="020B0604020202020204" pitchFamily="34" charset="0"/>
         <a:buChar char="•"/>
-        <a:defRPr sz="1350" kern="1200">
+        <a:defRPr sz="1800" kern="1200">
           <a:solidFill>
             <a:schemeClr val="tx1"/>
           </a:solidFill>
@@ -2836,16 +2838,16 @@
           <a:cs typeface="+mn-cs"/>
         </a:defRPr>
       </a:lvl8pPr>
-      <a:lvl9pPr marL="2914650" indent="-171450" algn="l" defTabSz="685800" rtl="0" eaLnBrk="1" latinLnBrk="0" hangingPunct="1">
+      <a:lvl9pPr marL="3886200" indent="-228600" algn="l" defTabSz="914400" rtl="0" eaLnBrk="1" latinLnBrk="0" hangingPunct="1">
         <a:lnSpc>
           <a:spcPct val="90000"/>
         </a:lnSpc>
         <a:spcBef>
-          <a:spcPts val="375"/>
+          <a:spcPts val="500"/>
         </a:spcBef>
         <a:buFont typeface="Arial" panose="020B0604020202020204" pitchFamily="34" charset="0"/>
         <a:buChar char="•"/>
-        <a:defRPr sz="1350" kern="1200">
+        <a:defRPr sz="1800" kern="1200">
           <a:solidFill>
             <a:schemeClr val="tx1"/>
           </a:solidFill>
@@ -2859,8 +2861,8 @@
       <a:defPPr>
         <a:defRPr lang="en-US"/>
       </a:defPPr>
-      <a:lvl1pPr marL="0" algn="l" defTabSz="685800" rtl="0" eaLnBrk="1" latinLnBrk="0" hangingPunct="1">
-        <a:defRPr sz="1350" kern="1200">
+      <a:lvl1pPr marL="0" algn="l" defTabSz="914400" rtl="0" eaLnBrk="1" latinLnBrk="0" hangingPunct="1">
+        <a:defRPr sz="1800" kern="1200">
           <a:solidFill>
             <a:schemeClr val="tx1"/>
           </a:solidFill>
@@ -2869,8 +2871,8 @@
           <a:cs typeface="+mn-cs"/>
         </a:defRPr>
       </a:lvl1pPr>
-      <a:lvl2pPr marL="342900" algn="l" defTabSz="685800" rtl="0" eaLnBrk="1" latinLnBrk="0" hangingPunct="1">
-        <a:defRPr sz="1350" kern="1200">
+      <a:lvl2pPr marL="457200" algn="l" defTabSz="914400" rtl="0" eaLnBrk="1" latinLnBrk="0" hangingPunct="1">
+        <a:defRPr sz="1800" kern="1200">
           <a:solidFill>
             <a:schemeClr val="tx1"/>
           </a:solidFill>
@@ -2879,8 +2881,8 @@
           <a:cs typeface="+mn-cs"/>
         </a:defRPr>
       </a:lvl2pPr>
-      <a:lvl3pPr marL="685800" algn="l" defTabSz="685800" rtl="0" eaLnBrk="1" latinLnBrk="0" hangingPunct="1">
-        <a:defRPr sz="1350" kern="1200">
+      <a:lvl3pPr marL="914400" algn="l" defTabSz="914400" rtl="0" eaLnBrk="1" latinLnBrk="0" hangingPunct="1">
+        <a:defRPr sz="1800" kern="1200">
           <a:solidFill>
             <a:schemeClr val="tx1"/>
           </a:solidFill>
@@ -2889,8 +2891,8 @@
           <a:cs typeface="+mn-cs"/>
         </a:defRPr>
       </a:lvl3pPr>
-      <a:lvl4pPr marL="1028700" algn="l" defTabSz="685800" rtl="0" eaLnBrk="1" latinLnBrk="0" hangingPunct="1">
-        <a:defRPr sz="1350" kern="1200">
+      <a:lvl4pPr marL="1371600" algn="l" defTabSz="914400" rtl="0" eaLnBrk="1" latinLnBrk="0" hangingPunct="1">
+        <a:defRPr sz="1800" kern="1200">
           <a:solidFill>
             <a:schemeClr val="tx1"/>
           </a:solidFill>
@@ -2899,8 +2901,8 @@
           <a:cs typeface="+mn-cs"/>
         </a:defRPr>
       </a:lvl4pPr>
-      <a:lvl5pPr marL="1371600" algn="l" defTabSz="685800" rtl="0" eaLnBrk="1" latinLnBrk="0" hangingPunct="1">
-        <a:defRPr sz="1350" kern="1200">
+      <a:lvl5pPr marL="1828800" algn="l" defTabSz="914400" rtl="0" eaLnBrk="1" latinLnBrk="0" hangingPunct="1">
+        <a:defRPr sz="1800" kern="1200">
           <a:solidFill>
             <a:schemeClr val="tx1"/>
           </a:solidFill>
@@ -2909,8 +2911,8 @@
           <a:cs typeface="+mn-cs"/>
         </a:defRPr>
       </a:lvl5pPr>
-      <a:lvl6pPr marL="1714500" algn="l" defTabSz="685800" rtl="0" eaLnBrk="1" latinLnBrk="0" hangingPunct="1">
-        <a:defRPr sz="1350" kern="1200">
+      <a:lvl6pPr marL="2286000" algn="l" defTabSz="914400" rtl="0" eaLnBrk="1" latinLnBrk="0" hangingPunct="1">
+        <a:defRPr sz="1800" kern="1200">
           <a:solidFill>
             <a:schemeClr val="tx1"/>
           </a:solidFill>
@@ -2919,8 +2921,8 @@
           <a:cs typeface="+mn-cs"/>
         </a:defRPr>
       </a:lvl6pPr>
-      <a:lvl7pPr marL="2057400" algn="l" defTabSz="685800" rtl="0" eaLnBrk="1" latinLnBrk="0" hangingPunct="1">
-        <a:defRPr sz="1350" kern="1200">
+      <a:lvl7pPr marL="2743200" algn="l" defTabSz="914400" rtl="0" eaLnBrk="1" latinLnBrk="0" hangingPunct="1">
+        <a:defRPr sz="1800" kern="1200">
           <a:solidFill>
             <a:schemeClr val="tx1"/>
           </a:solidFill>
@@ -2929,8 +2931,8 @@
           <a:cs typeface="+mn-cs"/>
         </a:defRPr>
       </a:lvl7pPr>
-      <a:lvl8pPr marL="2400300" algn="l" defTabSz="685800" rtl="0" eaLnBrk="1" latinLnBrk="0" hangingPunct="1">
-        <a:defRPr sz="1350" kern="1200">
+      <a:lvl8pPr marL="3200400" algn="l" defTabSz="914400" rtl="0" eaLnBrk="1" latinLnBrk="0" hangingPunct="1">
+        <a:defRPr sz="1800" kern="1200">
           <a:solidFill>
             <a:schemeClr val="tx1"/>
           </a:solidFill>
@@ -2939,8 +2941,8 @@
           <a:cs typeface="+mn-cs"/>
         </a:defRPr>
       </a:lvl8pPr>
-      <a:lvl9pPr marL="2743200" algn="l" defTabSz="685800" rtl="0" eaLnBrk="1" latinLnBrk="0" hangingPunct="1">
-        <a:defRPr sz="1350" kern="1200">
+      <a:lvl9pPr marL="3657600" algn="l" defTabSz="914400" rtl="0" eaLnBrk="1" latinLnBrk="0" hangingPunct="1">
+        <a:defRPr sz="1800" kern="1200">
           <a:solidFill>
             <a:schemeClr val="tx1"/>
           </a:solidFill>
@@ -2973,10 +2975,10 @@
       </p:grpSpPr>
       <p:pic>
         <p:nvPicPr>
-          <p:cNvPr id="4" name="Picture 3">
+          <p:cNvPr id="3" name="Picture 2">
             <a:extLst>
               <a:ext uri="{FF2B5EF4-FFF2-40B4-BE49-F238E27FC236}">
-                <a16:creationId xmlns:a16="http://schemas.microsoft.com/office/drawing/2014/main" id="{67DB45D8-2798-0ABF-BAA6-9BB94BE796FA}"/>
+                <a16:creationId xmlns:a16="http://schemas.microsoft.com/office/drawing/2014/main" id="{8B1AEA72-6180-0A7B-038B-45B6448C8E72}"/>
               </a:ext>
             </a:extLst>
           </p:cNvPr>
@@ -2993,8 +2995,8 @@
         </p:blipFill>
         <p:spPr>
           <a:xfrm>
-            <a:off x="2755993" y="7742350"/>
-            <a:ext cx="4102007" cy="4102007"/>
+            <a:off x="3113037" y="0"/>
+            <a:ext cx="3113037" cy="3113037"/>
           </a:xfrm>
           <a:prstGeom prst="rect">
             <a:avLst/>
@@ -3003,10 +3005,10 @@
       </p:pic>
       <p:pic>
         <p:nvPicPr>
-          <p:cNvPr id="6" name="Picture 5">
+          <p:cNvPr id="4" name="Picture 3">
             <a:extLst>
               <a:ext uri="{FF2B5EF4-FFF2-40B4-BE49-F238E27FC236}">
-                <a16:creationId xmlns:a16="http://schemas.microsoft.com/office/drawing/2014/main" id="{14D3E6AC-EDAD-1284-B1CB-07A4E4086BB3}"/>
+                <a16:creationId xmlns:a16="http://schemas.microsoft.com/office/drawing/2014/main" id="{67DB45D8-2798-0ABF-BAA6-9BB94BE796FA}"/>
               </a:ext>
             </a:extLst>
           </p:cNvPr>
@@ -3023,8 +3025,8 @@
         </p:blipFill>
         <p:spPr>
           <a:xfrm>
-            <a:off x="2755992" y="3871175"/>
-            <a:ext cx="4102007" cy="4102007"/>
+            <a:off x="6458931" y="0"/>
+            <a:ext cx="3113037" cy="3113037"/>
           </a:xfrm>
           <a:prstGeom prst="rect">
             <a:avLst/>
@@ -3053,8 +3055,8 @@
         </p:blipFill>
         <p:spPr>
           <a:xfrm>
-            <a:off x="2755993" y="0"/>
-            <a:ext cx="4102007" cy="4102007"/>
+            <a:off x="0" y="0"/>
+            <a:ext cx="3113037" cy="3113037"/>
           </a:xfrm>
           <a:prstGeom prst="rect">
             <a:avLst/>
@@ -3075,8 +3077,8 @@
         </p:nvSpPr>
         <p:spPr>
           <a:xfrm>
-            <a:off x="3690223" y="2970127"/>
-            <a:ext cx="327334" cy="400110"/>
+            <a:off x="679685" y="2203186"/>
+            <a:ext cx="312906" cy="369332"/>
           </a:xfrm>
           <a:prstGeom prst="rect">
             <a:avLst/>
@@ -3090,7 +3092,7 @@
           <a:lstStyle/>
           <a:p>
             <a:r>
-              <a:rPr lang="en-GB" sz="2000" b="1" dirty="0">
+              <a:rPr lang="en-GB" b="1" dirty="0">
                 <a:latin typeface="Helvetica" pitchFamily="2" charset="0"/>
               </a:rPr>
               <a:t>a</a:t>
@@ -3112,8 +3114,8 @@
         </p:nvSpPr>
         <p:spPr>
           <a:xfrm>
-            <a:off x="3690223" y="6831053"/>
-            <a:ext cx="372218" cy="400110"/>
+            <a:off x="3896255" y="2203186"/>
+            <a:ext cx="209373" cy="369332"/>
           </a:xfrm>
           <a:prstGeom prst="rect">
             <a:avLst/>
@@ -3127,7 +3129,7 @@
           <a:lstStyle/>
           <a:p>
             <a:r>
-              <a:rPr lang="en-GB" sz="2000" b="1" dirty="0">
+              <a:rPr lang="en-GB" b="1" dirty="0">
                 <a:latin typeface="Helvetica" pitchFamily="2" charset="0"/>
               </a:rPr>
               <a:t>b</a:t>
@@ -3149,8 +3151,8 @@
         </p:nvSpPr>
         <p:spPr>
           <a:xfrm>
-            <a:off x="3603427" y="10702228"/>
-            <a:ext cx="327334" cy="400110"/>
+            <a:off x="7129844" y="2203186"/>
+            <a:ext cx="312906" cy="369332"/>
           </a:xfrm>
           <a:prstGeom prst="rect">
             <a:avLst/>
@@ -3164,7 +3166,7 @@
           <a:lstStyle/>
           <a:p>
             <a:r>
-              <a:rPr lang="en-GB" sz="2000" b="1" dirty="0">
+              <a:rPr lang="en-GB" b="1" dirty="0">
                 <a:latin typeface="Helvetica" pitchFamily="2" charset="0"/>
               </a:rPr>
               <a:t>c</a:t>

--- a/plots/Fig4.pptx
+++ b/plots/Fig4.pptx
@@ -243,7 +243,7 @@
           <a:p>
             <a:fld id="{A8964ADD-0953-8940-9E96-FB0BF4E5F7EB}" type="datetimeFigureOut">
               <a:rPr lang="en-GB" smtClean="0"/>
-              <a:t>05/12/2022</a:t>
+              <a:t>10/03/2023</a:t>
             </a:fld>
             <a:endParaRPr lang="en-GB"/>
           </a:p>
@@ -413,7 +413,7 @@
           <a:p>
             <a:fld id="{A8964ADD-0953-8940-9E96-FB0BF4E5F7EB}" type="datetimeFigureOut">
               <a:rPr lang="en-GB" smtClean="0"/>
-              <a:t>05/12/2022</a:t>
+              <a:t>10/03/2023</a:t>
             </a:fld>
             <a:endParaRPr lang="en-GB"/>
           </a:p>
@@ -593,7 +593,7 @@
           <a:p>
             <a:fld id="{A8964ADD-0953-8940-9E96-FB0BF4E5F7EB}" type="datetimeFigureOut">
               <a:rPr lang="en-GB" smtClean="0"/>
-              <a:t>05/12/2022</a:t>
+              <a:t>10/03/2023</a:t>
             </a:fld>
             <a:endParaRPr lang="en-GB"/>
           </a:p>
@@ -763,7 +763,7 @@
           <a:p>
             <a:fld id="{A8964ADD-0953-8940-9E96-FB0BF4E5F7EB}" type="datetimeFigureOut">
               <a:rPr lang="en-GB" smtClean="0"/>
-              <a:t>05/12/2022</a:t>
+              <a:t>10/03/2023</a:t>
             </a:fld>
             <a:endParaRPr lang="en-GB"/>
           </a:p>
@@ -1009,7 +1009,7 @@
           <a:p>
             <a:fld id="{A8964ADD-0953-8940-9E96-FB0BF4E5F7EB}" type="datetimeFigureOut">
               <a:rPr lang="en-GB" smtClean="0"/>
-              <a:t>05/12/2022</a:t>
+              <a:t>10/03/2023</a:t>
             </a:fld>
             <a:endParaRPr lang="en-GB"/>
           </a:p>
@@ -1241,7 +1241,7 @@
           <a:p>
             <a:fld id="{A8964ADD-0953-8940-9E96-FB0BF4E5F7EB}" type="datetimeFigureOut">
               <a:rPr lang="en-GB" smtClean="0"/>
-              <a:t>05/12/2022</a:t>
+              <a:t>10/03/2023</a:t>
             </a:fld>
             <a:endParaRPr lang="en-GB"/>
           </a:p>
@@ -1608,7 +1608,7 @@
           <a:p>
             <a:fld id="{A8964ADD-0953-8940-9E96-FB0BF4E5F7EB}" type="datetimeFigureOut">
               <a:rPr lang="en-GB" smtClean="0"/>
-              <a:t>05/12/2022</a:t>
+              <a:t>10/03/2023</a:t>
             </a:fld>
             <a:endParaRPr lang="en-GB"/>
           </a:p>
@@ -1726,7 +1726,7 @@
           <a:p>
             <a:fld id="{A8964ADD-0953-8940-9E96-FB0BF4E5F7EB}" type="datetimeFigureOut">
               <a:rPr lang="en-GB" smtClean="0"/>
-              <a:t>05/12/2022</a:t>
+              <a:t>10/03/2023</a:t>
             </a:fld>
             <a:endParaRPr lang="en-GB"/>
           </a:p>
@@ -1821,7 +1821,7 @@
           <a:p>
             <a:fld id="{A8964ADD-0953-8940-9E96-FB0BF4E5F7EB}" type="datetimeFigureOut">
               <a:rPr lang="en-GB" smtClean="0"/>
-              <a:t>05/12/2022</a:t>
+              <a:t>10/03/2023</a:t>
             </a:fld>
             <a:endParaRPr lang="en-GB"/>
           </a:p>
@@ -2098,7 +2098,7 @@
           <a:p>
             <a:fld id="{A8964ADD-0953-8940-9E96-FB0BF4E5F7EB}" type="datetimeFigureOut">
               <a:rPr lang="en-GB" smtClean="0"/>
-              <a:t>05/12/2022</a:t>
+              <a:t>10/03/2023</a:t>
             </a:fld>
             <a:endParaRPr lang="en-GB"/>
           </a:p>
@@ -2355,7 +2355,7 @@
           <a:p>
             <a:fld id="{A8964ADD-0953-8940-9E96-FB0BF4E5F7EB}" type="datetimeFigureOut">
               <a:rPr lang="en-GB" smtClean="0"/>
-              <a:t>05/12/2022</a:t>
+              <a:t>10/03/2023</a:t>
             </a:fld>
             <a:endParaRPr lang="en-GB"/>
           </a:p>
@@ -2568,7 +2568,7 @@
           <a:p>
             <a:fld id="{A8964ADD-0953-8940-9E96-FB0BF4E5F7EB}" type="datetimeFigureOut">
               <a:rPr lang="en-GB" smtClean="0"/>
-              <a:t>05/12/2022</a:t>
+              <a:t>10/03/2023</a:t>
             </a:fld>
             <a:endParaRPr lang="en-GB"/>
           </a:p>
@@ -2975,10 +2975,10 @@
       </p:grpSpPr>
       <p:pic>
         <p:nvPicPr>
-          <p:cNvPr id="3" name="Picture 2">
+          <p:cNvPr id="5" name="Picture 4">
             <a:extLst>
               <a:ext uri="{FF2B5EF4-FFF2-40B4-BE49-F238E27FC236}">
-                <a16:creationId xmlns:a16="http://schemas.microsoft.com/office/drawing/2014/main" id="{8B1AEA72-6180-0A7B-038B-45B6448C8E72}"/>
+                <a16:creationId xmlns:a16="http://schemas.microsoft.com/office/drawing/2014/main" id="{8239FE6E-2E7D-73A7-1A60-703082C9AF8F}"/>
               </a:ext>
             </a:extLst>
           </p:cNvPr>
@@ -2995,7 +2995,7 @@
         </p:blipFill>
         <p:spPr>
           <a:xfrm>
-            <a:off x="3113037" y="0"/>
+            <a:off x="-1" y="3057160"/>
             <a:ext cx="3113037" cy="3113037"/>
           </a:xfrm>
           <a:prstGeom prst="rect">
@@ -3005,10 +3005,10 @@
       </p:pic>
       <p:pic>
         <p:nvPicPr>
-          <p:cNvPr id="4" name="Picture 3">
+          <p:cNvPr id="7" name="Picture 6">
             <a:extLst>
               <a:ext uri="{FF2B5EF4-FFF2-40B4-BE49-F238E27FC236}">
-                <a16:creationId xmlns:a16="http://schemas.microsoft.com/office/drawing/2014/main" id="{67DB45D8-2798-0ABF-BAA6-9BB94BE796FA}"/>
+                <a16:creationId xmlns:a16="http://schemas.microsoft.com/office/drawing/2014/main" id="{3EAF586C-9BA6-7FD1-483B-226191E8F66E}"/>
               </a:ext>
             </a:extLst>
           </p:cNvPr>
@@ -3025,7 +3025,7 @@
         </p:blipFill>
         <p:spPr>
           <a:xfrm>
-            <a:off x="6458931" y="0"/>
+            <a:off x="3113037" y="0"/>
             <a:ext cx="3113037" cy="3113037"/>
           </a:xfrm>
           <a:prstGeom prst="rect">
@@ -3151,7 +3151,7 @@
         </p:nvSpPr>
         <p:spPr>
           <a:xfrm>
-            <a:off x="7129844" y="2203186"/>
+            <a:off x="679685" y="5260346"/>
             <a:ext cx="312906" cy="369332"/>
           </a:xfrm>
           <a:prstGeom prst="rect">
@@ -3170,6 +3170,73 @@
                 <a:latin typeface="Helvetica" pitchFamily="2" charset="0"/>
               </a:rPr>
               <a:t>c</a:t>
+            </a:r>
+          </a:p>
+        </p:txBody>
+      </p:sp>
+      <p:pic>
+        <p:nvPicPr>
+          <p:cNvPr id="6" name="Picture 5">
+            <a:extLst>
+              <a:ext uri="{FF2B5EF4-FFF2-40B4-BE49-F238E27FC236}">
+                <a16:creationId xmlns:a16="http://schemas.microsoft.com/office/drawing/2014/main" id="{FFFDC6CC-519B-DD18-B726-61BE12EDD2DC}"/>
+              </a:ext>
+            </a:extLst>
+          </p:cNvPr>
+          <p:cNvPicPr>
+            <a:picLocks noChangeAspect="1"/>
+          </p:cNvPicPr>
+          <p:nvPr/>
+        </p:nvPicPr>
+        <p:blipFill>
+          <a:blip r:embed="rId5"/>
+          <a:stretch>
+            <a:fillRect/>
+          </a:stretch>
+        </p:blipFill>
+        <p:spPr>
+          <a:xfrm>
+            <a:off x="3113036" y="3113037"/>
+            <a:ext cx="3113037" cy="3113037"/>
+          </a:xfrm>
+          <a:prstGeom prst="rect">
+            <a:avLst/>
+          </a:prstGeom>
+        </p:spPr>
+      </p:pic>
+      <p:sp>
+        <p:nvSpPr>
+          <p:cNvPr id="8" name="TextBox 7">
+            <a:extLst>
+              <a:ext uri="{FF2B5EF4-FFF2-40B4-BE49-F238E27FC236}">
+                <a16:creationId xmlns:a16="http://schemas.microsoft.com/office/drawing/2014/main" id="{B2881C21-4841-0D14-EA3C-82A2CAD3F1E8}"/>
+              </a:ext>
+            </a:extLst>
+          </p:cNvPr>
+          <p:cNvSpPr txBox="1"/>
+          <p:nvPr/>
+        </p:nvSpPr>
+        <p:spPr>
+          <a:xfrm>
+            <a:off x="3896255" y="5260346"/>
+            <a:ext cx="325730" cy="369332"/>
+          </a:xfrm>
+          <a:prstGeom prst="rect">
+            <a:avLst/>
+          </a:prstGeom>
+          <a:noFill/>
+        </p:spPr>
+        <p:txBody>
+          <a:bodyPr wrap="none" rtlCol="0">
+            <a:spAutoFit/>
+          </a:bodyPr>
+          <a:lstStyle/>
+          <a:p>
+            <a:r>
+              <a:rPr lang="en-GB" b="1" dirty="0">
+                <a:latin typeface="Helvetica" pitchFamily="2" charset="0"/>
+              </a:rPr>
+              <a:t>d</a:t>
             </a:r>
           </a:p>
         </p:txBody>

--- a/plots/Fig4.pptx
+++ b/plots/Fig4.pptx
@@ -2975,10 +2975,10 @@
       </p:grpSpPr>
       <p:pic>
         <p:nvPicPr>
-          <p:cNvPr id="5" name="Picture 4">
+          <p:cNvPr id="15" name="Picture 14">
             <a:extLst>
               <a:ext uri="{FF2B5EF4-FFF2-40B4-BE49-F238E27FC236}">
-                <a16:creationId xmlns:a16="http://schemas.microsoft.com/office/drawing/2014/main" id="{8239FE6E-2E7D-73A7-1A60-703082C9AF8F}"/>
+                <a16:creationId xmlns:a16="http://schemas.microsoft.com/office/drawing/2014/main" id="{E23722C8-9AF5-F60A-23BB-B170A810E43D}"/>
               </a:ext>
             </a:extLst>
           </p:cNvPr>
@@ -2995,7 +2995,37 @@
         </p:blipFill>
         <p:spPr>
           <a:xfrm>
-            <a:off x="-1" y="3057160"/>
+            <a:off x="0" y="3055155"/>
+            <a:ext cx="3115041" cy="3115041"/>
+          </a:xfrm>
+          <a:prstGeom prst="rect">
+            <a:avLst/>
+          </a:prstGeom>
+        </p:spPr>
+      </p:pic>
+      <p:pic>
+        <p:nvPicPr>
+          <p:cNvPr id="3" name="Picture 2">
+            <a:extLst>
+              <a:ext uri="{FF2B5EF4-FFF2-40B4-BE49-F238E27FC236}">
+                <a16:creationId xmlns:a16="http://schemas.microsoft.com/office/drawing/2014/main" id="{D9EC1BEF-DFD1-5DCD-E84F-DD1EFEFED7E0}"/>
+              </a:ext>
+            </a:extLst>
+          </p:cNvPr>
+          <p:cNvPicPr>
+            <a:picLocks noChangeAspect="1"/>
+          </p:cNvPicPr>
+          <p:nvPr/>
+        </p:nvPicPr>
+        <p:blipFill>
+          <a:blip r:embed="rId3"/>
+          <a:stretch>
+            <a:fillRect/>
+          </a:stretch>
+        </p:blipFill>
+        <p:spPr>
+          <a:xfrm>
+            <a:off x="3113037" y="3057159"/>
             <a:ext cx="3113037" cy="3113037"/>
           </a:xfrm>
           <a:prstGeom prst="rect">
@@ -3018,7 +3048,7 @@
           <p:nvPr/>
         </p:nvPicPr>
         <p:blipFill>
-          <a:blip r:embed="rId3"/>
+          <a:blip r:embed="rId4"/>
           <a:stretch>
             <a:fillRect/>
           </a:stretch>
@@ -3048,7 +3078,7 @@
           <p:nvPr/>
         </p:nvPicPr>
         <p:blipFill>
-          <a:blip r:embed="rId4"/>
+          <a:blip r:embed="rId5"/>
           <a:stretch>
             <a:fillRect/>
           </a:stretch>
@@ -3174,36 +3204,6 @@
           </a:p>
         </p:txBody>
       </p:sp>
-      <p:pic>
-        <p:nvPicPr>
-          <p:cNvPr id="6" name="Picture 5">
-            <a:extLst>
-              <a:ext uri="{FF2B5EF4-FFF2-40B4-BE49-F238E27FC236}">
-                <a16:creationId xmlns:a16="http://schemas.microsoft.com/office/drawing/2014/main" id="{FFFDC6CC-519B-DD18-B726-61BE12EDD2DC}"/>
-              </a:ext>
-            </a:extLst>
-          </p:cNvPr>
-          <p:cNvPicPr>
-            <a:picLocks noChangeAspect="1"/>
-          </p:cNvPicPr>
-          <p:nvPr/>
-        </p:nvPicPr>
-        <p:blipFill>
-          <a:blip r:embed="rId5"/>
-          <a:stretch>
-            <a:fillRect/>
-          </a:stretch>
-        </p:blipFill>
-        <p:spPr>
-          <a:xfrm>
-            <a:off x="3113036" y="3113037"/>
-            <a:ext cx="3113037" cy="3113037"/>
-          </a:xfrm>
-          <a:prstGeom prst="rect">
-            <a:avLst/>
-          </a:prstGeom>
-        </p:spPr>
-      </p:pic>
       <p:sp>
         <p:nvSpPr>
           <p:cNvPr id="8" name="TextBox 7">
